--- a/Presentation.pptx
+++ b/Presentation.pptx
@@ -6,36 +6,39 @@
   </p:sldMasterIdLst>
   <p:sldIdLst>
     <p:sldId id="256" r:id="rId2"/>
-    <p:sldId id="257" r:id="rId3"/>
-    <p:sldId id="258" r:id="rId4"/>
-    <p:sldId id="259" r:id="rId5"/>
-    <p:sldId id="260" r:id="rId6"/>
-    <p:sldId id="261" r:id="rId7"/>
-    <p:sldId id="262" r:id="rId8"/>
-    <p:sldId id="263" r:id="rId9"/>
-    <p:sldId id="264" r:id="rId10"/>
-    <p:sldId id="266" r:id="rId11"/>
-    <p:sldId id="267" r:id="rId12"/>
-    <p:sldId id="268" r:id="rId13"/>
-    <p:sldId id="269" r:id="rId14"/>
-    <p:sldId id="270" r:id="rId15"/>
-    <p:sldId id="271" r:id="rId16"/>
-    <p:sldId id="272" r:id="rId17"/>
-    <p:sldId id="273" r:id="rId18"/>
-    <p:sldId id="274" r:id="rId19"/>
-    <p:sldId id="275" r:id="rId20"/>
-    <p:sldId id="276" r:id="rId21"/>
-    <p:sldId id="277" r:id="rId22"/>
-    <p:sldId id="278" r:id="rId23"/>
-    <p:sldId id="280" r:id="rId24"/>
-    <p:sldId id="281" r:id="rId25"/>
-    <p:sldId id="285" r:id="rId26"/>
-    <p:sldId id="286" r:id="rId27"/>
-    <p:sldId id="287" r:id="rId28"/>
-    <p:sldId id="279" r:id="rId29"/>
-    <p:sldId id="284" r:id="rId30"/>
-    <p:sldId id="282" r:id="rId31"/>
-    <p:sldId id="283" r:id="rId32"/>
+    <p:sldId id="288" r:id="rId3"/>
+    <p:sldId id="290" r:id="rId4"/>
+    <p:sldId id="289" r:id="rId5"/>
+    <p:sldId id="257" r:id="rId6"/>
+    <p:sldId id="258" r:id="rId7"/>
+    <p:sldId id="259" r:id="rId8"/>
+    <p:sldId id="260" r:id="rId9"/>
+    <p:sldId id="261" r:id="rId10"/>
+    <p:sldId id="262" r:id="rId11"/>
+    <p:sldId id="263" r:id="rId12"/>
+    <p:sldId id="264" r:id="rId13"/>
+    <p:sldId id="266" r:id="rId14"/>
+    <p:sldId id="267" r:id="rId15"/>
+    <p:sldId id="268" r:id="rId16"/>
+    <p:sldId id="269" r:id="rId17"/>
+    <p:sldId id="270" r:id="rId18"/>
+    <p:sldId id="271" r:id="rId19"/>
+    <p:sldId id="272" r:id="rId20"/>
+    <p:sldId id="273" r:id="rId21"/>
+    <p:sldId id="274" r:id="rId22"/>
+    <p:sldId id="275" r:id="rId23"/>
+    <p:sldId id="276" r:id="rId24"/>
+    <p:sldId id="277" r:id="rId25"/>
+    <p:sldId id="278" r:id="rId26"/>
+    <p:sldId id="280" r:id="rId27"/>
+    <p:sldId id="281" r:id="rId28"/>
+    <p:sldId id="285" r:id="rId29"/>
+    <p:sldId id="286" r:id="rId30"/>
+    <p:sldId id="287" r:id="rId31"/>
+    <p:sldId id="279" r:id="rId32"/>
+    <p:sldId id="284" r:id="rId33"/>
+    <p:sldId id="282" r:id="rId34"/>
+    <p:sldId id="283" r:id="rId35"/>
   </p:sldIdLst>
   <p:sldSz cx="9144000" cy="6858000" type="screen4x3"/>
   <p:notesSz cx="6858000" cy="9144000"/>
@@ -134,6 +137,22 @@
       </a:defRPr>
     </a:lvl9pPr>
   </p:defaultTextStyle>
+  <p:extLst>
+    <p:ext uri="{EFAFB233-063F-42B5-8137-9DF3F51BA10A}">
+      <p15:sldGuideLst xmlns:p15="http://schemas.microsoft.com/office/powerpoint/2012/main">
+        <p15:guide id="1" orient="horz" pos="2160">
+          <p15:clr>
+            <a:srgbClr val="A4A3A4"/>
+          </p15:clr>
+        </p15:guide>
+        <p15:guide id="2" pos="2880">
+          <p15:clr>
+            <a:srgbClr val="A4A3A4"/>
+          </p15:clr>
+        </p15:guide>
+      </p15:sldGuideLst>
+    </p:ext>
+  </p:extLst>
 </p:presentation>
 </file>
 
@@ -175,7 +194,7 @@
           <a:lstStyle/>
           <a:p>
             <a:r>
-              <a:rPr lang="en-US" smtClean="0"/>
+              <a:rPr lang="en-US"/>
               <a:t>Click to edit Master title style</a:t>
             </a:r>
             <a:endParaRPr lang="en-IN"/>
@@ -294,7 +313,7 @@
           </a:lstStyle>
           <a:p>
             <a:r>
-              <a:rPr lang="en-US" smtClean="0"/>
+              <a:rPr lang="en-US"/>
               <a:t>Click to edit Master subtitle style</a:t>
             </a:r>
             <a:endParaRPr lang="en-IN"/>
@@ -318,7 +337,7 @@
           <a:p>
             <a:fld id="{AFD4097F-4067-4BA1-82AC-E4B94A7932D9}" type="datetimeFigureOut">
               <a:rPr lang="en-IN" smtClean="0"/>
-              <a:t>08-12-2025</a:t>
+              <a:t>20-12-2025</a:t>
             </a:fld>
             <a:endParaRPr lang="en-IN"/>
           </a:p>
@@ -412,7 +431,7 @@
           <a:lstStyle/>
           <a:p>
             <a:r>
-              <a:rPr lang="en-US" smtClean="0"/>
+              <a:rPr lang="en-US"/>
               <a:t>Click to edit Master title style</a:t>
             </a:r>
             <a:endParaRPr lang="en-IN"/>
@@ -436,35 +455,35 @@
           <a:p>
             <a:pPr lvl="0"/>
             <a:r>
-              <a:rPr lang="en-US" smtClean="0"/>
+              <a:rPr lang="en-US"/>
               <a:t>Click to edit Master text styles</a:t>
             </a:r>
           </a:p>
           <a:p>
             <a:pPr lvl="1"/>
             <a:r>
-              <a:rPr lang="en-US" smtClean="0"/>
+              <a:rPr lang="en-US"/>
               <a:t>Second level</a:t>
             </a:r>
           </a:p>
           <a:p>
             <a:pPr lvl="2"/>
             <a:r>
-              <a:rPr lang="en-US" smtClean="0"/>
+              <a:rPr lang="en-US"/>
               <a:t>Third level</a:t>
             </a:r>
           </a:p>
           <a:p>
             <a:pPr lvl="3"/>
             <a:r>
-              <a:rPr lang="en-US" smtClean="0"/>
+              <a:rPr lang="en-US"/>
               <a:t>Fourth level</a:t>
             </a:r>
           </a:p>
           <a:p>
             <a:pPr lvl="4"/>
             <a:r>
-              <a:rPr lang="en-US" smtClean="0"/>
+              <a:rPr lang="en-US"/>
               <a:t>Fifth level</a:t>
             </a:r>
             <a:endParaRPr lang="en-IN"/>
@@ -488,7 +507,7 @@
           <a:p>
             <a:fld id="{AFD4097F-4067-4BA1-82AC-E4B94A7932D9}" type="datetimeFigureOut">
               <a:rPr lang="en-IN" smtClean="0"/>
-              <a:t>08-12-2025</a:t>
+              <a:t>20-12-2025</a:t>
             </a:fld>
             <a:endParaRPr lang="en-IN"/>
           </a:p>
@@ -587,7 +606,7 @@
           <a:lstStyle/>
           <a:p>
             <a:r>
-              <a:rPr lang="en-US" smtClean="0"/>
+              <a:rPr lang="en-US"/>
               <a:t>Click to edit Master title style</a:t>
             </a:r>
             <a:endParaRPr lang="en-IN"/>
@@ -616,35 +635,35 @@
           <a:p>
             <a:pPr lvl="0"/>
             <a:r>
-              <a:rPr lang="en-US" smtClean="0"/>
+              <a:rPr lang="en-US"/>
               <a:t>Click to edit Master text styles</a:t>
             </a:r>
           </a:p>
           <a:p>
             <a:pPr lvl="1"/>
             <a:r>
-              <a:rPr lang="en-US" smtClean="0"/>
+              <a:rPr lang="en-US"/>
               <a:t>Second level</a:t>
             </a:r>
           </a:p>
           <a:p>
             <a:pPr lvl="2"/>
             <a:r>
-              <a:rPr lang="en-US" smtClean="0"/>
+              <a:rPr lang="en-US"/>
               <a:t>Third level</a:t>
             </a:r>
           </a:p>
           <a:p>
             <a:pPr lvl="3"/>
             <a:r>
-              <a:rPr lang="en-US" smtClean="0"/>
+              <a:rPr lang="en-US"/>
               <a:t>Fourth level</a:t>
             </a:r>
           </a:p>
           <a:p>
             <a:pPr lvl="4"/>
             <a:r>
-              <a:rPr lang="en-US" smtClean="0"/>
+              <a:rPr lang="en-US"/>
               <a:t>Fifth level</a:t>
             </a:r>
             <a:endParaRPr lang="en-IN"/>
@@ -668,7 +687,7 @@
           <a:p>
             <a:fld id="{AFD4097F-4067-4BA1-82AC-E4B94A7932D9}" type="datetimeFigureOut">
               <a:rPr lang="en-IN" smtClean="0"/>
-              <a:t>08-12-2025</a:t>
+              <a:t>20-12-2025</a:t>
             </a:fld>
             <a:endParaRPr lang="en-IN"/>
           </a:p>
@@ -762,7 +781,7 @@
           <a:lstStyle/>
           <a:p>
             <a:r>
-              <a:rPr lang="en-US" smtClean="0"/>
+              <a:rPr lang="en-US"/>
               <a:t>Click to edit Master title style</a:t>
             </a:r>
             <a:endParaRPr lang="en-IN"/>
@@ -786,35 +805,35 @@
           <a:p>
             <a:pPr lvl="0"/>
             <a:r>
-              <a:rPr lang="en-US" smtClean="0"/>
+              <a:rPr lang="en-US"/>
               <a:t>Click to edit Master text styles</a:t>
             </a:r>
           </a:p>
           <a:p>
             <a:pPr lvl="1"/>
             <a:r>
-              <a:rPr lang="en-US" smtClean="0"/>
+              <a:rPr lang="en-US"/>
               <a:t>Second level</a:t>
             </a:r>
           </a:p>
           <a:p>
             <a:pPr lvl="2"/>
             <a:r>
-              <a:rPr lang="en-US" smtClean="0"/>
+              <a:rPr lang="en-US"/>
               <a:t>Third level</a:t>
             </a:r>
           </a:p>
           <a:p>
             <a:pPr lvl="3"/>
             <a:r>
-              <a:rPr lang="en-US" smtClean="0"/>
+              <a:rPr lang="en-US"/>
               <a:t>Fourth level</a:t>
             </a:r>
           </a:p>
           <a:p>
             <a:pPr lvl="4"/>
             <a:r>
-              <a:rPr lang="en-US" smtClean="0"/>
+              <a:rPr lang="en-US"/>
               <a:t>Fifth level</a:t>
             </a:r>
             <a:endParaRPr lang="en-IN"/>
@@ -838,7 +857,7 @@
           <a:p>
             <a:fld id="{AFD4097F-4067-4BA1-82AC-E4B94A7932D9}" type="datetimeFigureOut">
               <a:rPr lang="en-IN" smtClean="0"/>
-              <a:t>08-12-2025</a:t>
+              <a:t>20-12-2025</a:t>
             </a:fld>
             <a:endParaRPr lang="en-IN"/>
           </a:p>
@@ -941,7 +960,7 @@
           </a:lstStyle>
           <a:p>
             <a:r>
-              <a:rPr lang="en-US" smtClean="0"/>
+              <a:rPr lang="en-US"/>
               <a:t>Click to edit Master title style</a:t>
             </a:r>
             <a:endParaRPr lang="en-IN"/>
@@ -1061,7 +1080,7 @@
           <a:p>
             <a:pPr lvl="0"/>
             <a:r>
-              <a:rPr lang="en-US" smtClean="0"/>
+              <a:rPr lang="en-US"/>
               <a:t>Click to edit Master text styles</a:t>
             </a:r>
           </a:p>
@@ -1084,7 +1103,7 @@
           <a:p>
             <a:fld id="{AFD4097F-4067-4BA1-82AC-E4B94A7932D9}" type="datetimeFigureOut">
               <a:rPr lang="en-IN" smtClean="0"/>
-              <a:t>08-12-2025</a:t>
+              <a:t>20-12-2025</a:t>
             </a:fld>
             <a:endParaRPr lang="en-IN"/>
           </a:p>
@@ -1178,7 +1197,7 @@
           <a:lstStyle/>
           <a:p>
             <a:r>
-              <a:rPr lang="en-US" smtClean="0"/>
+              <a:rPr lang="en-US"/>
               <a:t>Click to edit Master title style</a:t>
             </a:r>
             <a:endParaRPr lang="en-IN"/>
@@ -1235,35 +1254,35 @@
           <a:p>
             <a:pPr lvl="0"/>
             <a:r>
-              <a:rPr lang="en-US" smtClean="0"/>
+              <a:rPr lang="en-US"/>
               <a:t>Click to edit Master text styles</a:t>
             </a:r>
           </a:p>
           <a:p>
             <a:pPr lvl="1"/>
             <a:r>
-              <a:rPr lang="en-US" smtClean="0"/>
+              <a:rPr lang="en-US"/>
               <a:t>Second level</a:t>
             </a:r>
           </a:p>
           <a:p>
             <a:pPr lvl="2"/>
             <a:r>
-              <a:rPr lang="en-US" smtClean="0"/>
+              <a:rPr lang="en-US"/>
               <a:t>Third level</a:t>
             </a:r>
           </a:p>
           <a:p>
             <a:pPr lvl="3"/>
             <a:r>
-              <a:rPr lang="en-US" smtClean="0"/>
+              <a:rPr lang="en-US"/>
               <a:t>Fourth level</a:t>
             </a:r>
           </a:p>
           <a:p>
             <a:pPr lvl="4"/>
             <a:r>
-              <a:rPr lang="en-US" smtClean="0"/>
+              <a:rPr lang="en-US"/>
               <a:t>Fifth level</a:t>
             </a:r>
             <a:endParaRPr lang="en-IN"/>
@@ -1320,35 +1339,35 @@
           <a:p>
             <a:pPr lvl="0"/>
             <a:r>
-              <a:rPr lang="en-US" smtClean="0"/>
+              <a:rPr lang="en-US"/>
               <a:t>Click to edit Master text styles</a:t>
             </a:r>
           </a:p>
           <a:p>
             <a:pPr lvl="1"/>
             <a:r>
-              <a:rPr lang="en-US" smtClean="0"/>
+              <a:rPr lang="en-US"/>
               <a:t>Second level</a:t>
             </a:r>
           </a:p>
           <a:p>
             <a:pPr lvl="2"/>
             <a:r>
-              <a:rPr lang="en-US" smtClean="0"/>
+              <a:rPr lang="en-US"/>
               <a:t>Third level</a:t>
             </a:r>
           </a:p>
           <a:p>
             <a:pPr lvl="3"/>
             <a:r>
-              <a:rPr lang="en-US" smtClean="0"/>
+              <a:rPr lang="en-US"/>
               <a:t>Fourth level</a:t>
             </a:r>
           </a:p>
           <a:p>
             <a:pPr lvl="4"/>
             <a:r>
-              <a:rPr lang="en-US" smtClean="0"/>
+              <a:rPr lang="en-US"/>
               <a:t>Fifth level</a:t>
             </a:r>
             <a:endParaRPr lang="en-IN"/>
@@ -1372,7 +1391,7 @@
           <a:p>
             <a:fld id="{AFD4097F-4067-4BA1-82AC-E4B94A7932D9}" type="datetimeFigureOut">
               <a:rPr lang="en-IN" smtClean="0"/>
-              <a:t>08-12-2025</a:t>
+              <a:t>20-12-2025</a:t>
             </a:fld>
             <a:endParaRPr lang="en-IN"/>
           </a:p>
@@ -1470,7 +1489,7 @@
           </a:lstStyle>
           <a:p>
             <a:r>
-              <a:rPr lang="en-US" smtClean="0"/>
+              <a:rPr lang="en-US"/>
               <a:t>Click to edit Master title style</a:t>
             </a:r>
             <a:endParaRPr lang="en-IN"/>
@@ -1536,7 +1555,7 @@
           <a:p>
             <a:pPr lvl="0"/>
             <a:r>
-              <a:rPr lang="en-US" smtClean="0"/>
+              <a:rPr lang="en-US"/>
               <a:t>Click to edit Master text styles</a:t>
             </a:r>
           </a:p>
@@ -1592,35 +1611,35 @@
           <a:p>
             <a:pPr lvl="0"/>
             <a:r>
-              <a:rPr lang="en-US" smtClean="0"/>
+              <a:rPr lang="en-US"/>
               <a:t>Click to edit Master text styles</a:t>
             </a:r>
           </a:p>
           <a:p>
             <a:pPr lvl="1"/>
             <a:r>
-              <a:rPr lang="en-US" smtClean="0"/>
+              <a:rPr lang="en-US"/>
               <a:t>Second level</a:t>
             </a:r>
           </a:p>
           <a:p>
             <a:pPr lvl="2"/>
             <a:r>
-              <a:rPr lang="en-US" smtClean="0"/>
+              <a:rPr lang="en-US"/>
               <a:t>Third level</a:t>
             </a:r>
           </a:p>
           <a:p>
             <a:pPr lvl="3"/>
             <a:r>
-              <a:rPr lang="en-US" smtClean="0"/>
+              <a:rPr lang="en-US"/>
               <a:t>Fourth level</a:t>
             </a:r>
           </a:p>
           <a:p>
             <a:pPr lvl="4"/>
             <a:r>
-              <a:rPr lang="en-US" smtClean="0"/>
+              <a:rPr lang="en-US"/>
               <a:t>Fifth level</a:t>
             </a:r>
             <a:endParaRPr lang="en-IN"/>
@@ -1686,7 +1705,7 @@
           <a:p>
             <a:pPr lvl="0"/>
             <a:r>
-              <a:rPr lang="en-US" smtClean="0"/>
+              <a:rPr lang="en-US"/>
               <a:t>Click to edit Master text styles</a:t>
             </a:r>
           </a:p>
@@ -1742,35 +1761,35 @@
           <a:p>
             <a:pPr lvl="0"/>
             <a:r>
-              <a:rPr lang="en-US" smtClean="0"/>
+              <a:rPr lang="en-US"/>
               <a:t>Click to edit Master text styles</a:t>
             </a:r>
           </a:p>
           <a:p>
             <a:pPr lvl="1"/>
             <a:r>
-              <a:rPr lang="en-US" smtClean="0"/>
+              <a:rPr lang="en-US"/>
               <a:t>Second level</a:t>
             </a:r>
           </a:p>
           <a:p>
             <a:pPr lvl="2"/>
             <a:r>
-              <a:rPr lang="en-US" smtClean="0"/>
+              <a:rPr lang="en-US"/>
               <a:t>Third level</a:t>
             </a:r>
           </a:p>
           <a:p>
             <a:pPr lvl="3"/>
             <a:r>
-              <a:rPr lang="en-US" smtClean="0"/>
+              <a:rPr lang="en-US"/>
               <a:t>Fourth level</a:t>
             </a:r>
           </a:p>
           <a:p>
             <a:pPr lvl="4"/>
             <a:r>
-              <a:rPr lang="en-US" smtClean="0"/>
+              <a:rPr lang="en-US"/>
               <a:t>Fifth level</a:t>
             </a:r>
             <a:endParaRPr lang="en-IN"/>
@@ -1794,7 +1813,7 @@
           <a:p>
             <a:fld id="{AFD4097F-4067-4BA1-82AC-E4B94A7932D9}" type="datetimeFigureOut">
               <a:rPr lang="en-IN" smtClean="0"/>
-              <a:t>08-12-2025</a:t>
+              <a:t>20-12-2025</a:t>
             </a:fld>
             <a:endParaRPr lang="en-IN"/>
           </a:p>
@@ -1888,7 +1907,7 @@
           <a:lstStyle/>
           <a:p>
             <a:r>
-              <a:rPr lang="en-US" smtClean="0"/>
+              <a:rPr lang="en-US"/>
               <a:t>Click to edit Master title style</a:t>
             </a:r>
             <a:endParaRPr lang="en-IN"/>
@@ -1912,7 +1931,7 @@
           <a:p>
             <a:fld id="{AFD4097F-4067-4BA1-82AC-E4B94A7932D9}" type="datetimeFigureOut">
               <a:rPr lang="en-IN" smtClean="0"/>
-              <a:t>08-12-2025</a:t>
+              <a:t>20-12-2025</a:t>
             </a:fld>
             <a:endParaRPr lang="en-IN"/>
           </a:p>
@@ -2007,7 +2026,7 @@
           <a:p>
             <a:fld id="{AFD4097F-4067-4BA1-82AC-E4B94A7932D9}" type="datetimeFigureOut">
               <a:rPr lang="en-IN" smtClean="0"/>
-              <a:t>08-12-2025</a:t>
+              <a:t>20-12-2025</a:t>
             </a:fld>
             <a:endParaRPr lang="en-IN"/>
           </a:p>
@@ -2110,7 +2129,7 @@
           </a:lstStyle>
           <a:p>
             <a:r>
-              <a:rPr lang="en-US" smtClean="0"/>
+              <a:rPr lang="en-US"/>
               <a:t>Click to edit Master title style</a:t>
             </a:r>
             <a:endParaRPr lang="en-IN"/>
@@ -2167,35 +2186,35 @@
           <a:p>
             <a:pPr lvl="0"/>
             <a:r>
-              <a:rPr lang="en-US" smtClean="0"/>
+              <a:rPr lang="en-US"/>
               <a:t>Click to edit Master text styles</a:t>
             </a:r>
           </a:p>
           <a:p>
             <a:pPr lvl="1"/>
             <a:r>
-              <a:rPr lang="en-US" smtClean="0"/>
+              <a:rPr lang="en-US"/>
               <a:t>Second level</a:t>
             </a:r>
           </a:p>
           <a:p>
             <a:pPr lvl="2"/>
             <a:r>
-              <a:rPr lang="en-US" smtClean="0"/>
+              <a:rPr lang="en-US"/>
               <a:t>Third level</a:t>
             </a:r>
           </a:p>
           <a:p>
             <a:pPr lvl="3"/>
             <a:r>
-              <a:rPr lang="en-US" smtClean="0"/>
+              <a:rPr lang="en-US"/>
               <a:t>Fourth level</a:t>
             </a:r>
           </a:p>
           <a:p>
             <a:pPr lvl="4"/>
             <a:r>
-              <a:rPr lang="en-US" smtClean="0"/>
+              <a:rPr lang="en-US"/>
               <a:t>Fifth level</a:t>
             </a:r>
             <a:endParaRPr lang="en-IN"/>
@@ -2261,7 +2280,7 @@
           <a:p>
             <a:pPr lvl="0"/>
             <a:r>
-              <a:rPr lang="en-US" smtClean="0"/>
+              <a:rPr lang="en-US"/>
               <a:t>Click to edit Master text styles</a:t>
             </a:r>
           </a:p>
@@ -2284,7 +2303,7 @@
           <a:p>
             <a:fld id="{AFD4097F-4067-4BA1-82AC-E4B94A7932D9}" type="datetimeFigureOut">
               <a:rPr lang="en-IN" smtClean="0"/>
-              <a:t>08-12-2025</a:t>
+              <a:t>20-12-2025</a:t>
             </a:fld>
             <a:endParaRPr lang="en-IN"/>
           </a:p>
@@ -2387,7 +2406,7 @@
           </a:lstStyle>
           <a:p>
             <a:r>
-              <a:rPr lang="en-US" smtClean="0"/>
+              <a:rPr lang="en-US"/>
               <a:t>Click to edit Master title style</a:t>
             </a:r>
             <a:endParaRPr lang="en-IN"/>
@@ -2514,7 +2533,7 @@
           <a:p>
             <a:pPr lvl="0"/>
             <a:r>
-              <a:rPr lang="en-US" smtClean="0"/>
+              <a:rPr lang="en-US"/>
               <a:t>Click to edit Master text styles</a:t>
             </a:r>
           </a:p>
@@ -2537,7 +2556,7 @@
           <a:p>
             <a:fld id="{AFD4097F-4067-4BA1-82AC-E4B94A7932D9}" type="datetimeFigureOut">
               <a:rPr lang="en-IN" smtClean="0"/>
-              <a:t>08-12-2025</a:t>
+              <a:t>20-12-2025</a:t>
             </a:fld>
             <a:endParaRPr lang="en-IN"/>
           </a:p>
@@ -2646,7 +2665,7 @@
           <a:lstStyle/>
           <a:p>
             <a:r>
-              <a:rPr lang="en-US" smtClean="0"/>
+              <a:rPr lang="en-US"/>
               <a:t>Click to edit Master title style</a:t>
             </a:r>
             <a:endParaRPr lang="en-IN"/>
@@ -2680,35 +2699,35 @@
           <a:p>
             <a:pPr lvl="0"/>
             <a:r>
-              <a:rPr lang="en-US" smtClean="0"/>
+              <a:rPr lang="en-US"/>
               <a:t>Click to edit Master text styles</a:t>
             </a:r>
           </a:p>
           <a:p>
             <a:pPr lvl="1"/>
             <a:r>
-              <a:rPr lang="en-US" smtClean="0"/>
+              <a:rPr lang="en-US"/>
               <a:t>Second level</a:t>
             </a:r>
           </a:p>
           <a:p>
             <a:pPr lvl="2"/>
             <a:r>
-              <a:rPr lang="en-US" smtClean="0"/>
+              <a:rPr lang="en-US"/>
               <a:t>Third level</a:t>
             </a:r>
           </a:p>
           <a:p>
             <a:pPr lvl="3"/>
             <a:r>
-              <a:rPr lang="en-US" smtClean="0"/>
+              <a:rPr lang="en-US"/>
               <a:t>Fourth level</a:t>
             </a:r>
           </a:p>
           <a:p>
             <a:pPr lvl="4"/>
             <a:r>
-              <a:rPr lang="en-US" smtClean="0"/>
+              <a:rPr lang="en-US"/>
               <a:t>Fifth level</a:t>
             </a:r>
             <a:endParaRPr lang="en-IN"/>
@@ -2750,7 +2769,7 @@
           <a:p>
             <a:fld id="{AFD4097F-4067-4BA1-82AC-E4B94A7932D9}" type="datetimeFigureOut">
               <a:rPr lang="en-IN" smtClean="0"/>
-              <a:t>08-12-2025</a:t>
+              <a:t>20-12-2025</a:t>
             </a:fld>
             <a:endParaRPr lang="en-IN"/>
           </a:p>
@@ -3141,7 +3160,7 @@
           <a:lstStyle/>
           <a:p>
             <a:r>
-              <a:rPr lang="en-US" dirty="0" smtClean="0"/>
+              <a:rPr lang="en-US" dirty="0"/>
               <a:t>Introduction about Theory of Computation</a:t>
             </a:r>
             <a:endParaRPr lang="en-IN" dirty="0"/>
@@ -3177,17 +3196,292 @@
   <p:clrMapOvr>
     <a:masterClrMapping/>
   </p:clrMapOvr>
-  <p:timing>
-    <p:tnLst>
-      <p:par>
-        <p:cTn id="1" dur="indefinite" restart="never" nodeType="tmRoot"/>
-      </p:par>
-    </p:tnLst>
-  </p:timing>
 </p:sld>
 </file>
 
 <file path=ppt/slides/slide10.xml><?xml version="1.0" encoding="utf-8"?>
+<p:sld xmlns:a="http://schemas.openxmlformats.org/drawingml/2006/main" xmlns:r="http://schemas.openxmlformats.org/officeDocument/2006/relationships" xmlns:p="http://schemas.openxmlformats.org/presentationml/2006/main">
+  <p:cSld>
+    <p:spTree>
+      <p:nvGrpSpPr>
+        <p:cNvPr id="1" name=""/>
+        <p:cNvGrpSpPr/>
+        <p:nvPr/>
+      </p:nvGrpSpPr>
+      <p:grpSpPr>
+        <a:xfrm>
+          <a:off x="0" y="0"/>
+          <a:ext cx="0" cy="0"/>
+          <a:chOff x="0" y="0"/>
+          <a:chExt cx="0" cy="0"/>
+        </a:xfrm>
+      </p:grpSpPr>
+      <p:pic>
+        <p:nvPicPr>
+          <p:cNvPr id="6146" name="Picture 2"/>
+          <p:cNvPicPr>
+            <a:picLocks noChangeAspect="1" noChangeArrowheads="1"/>
+          </p:cNvPicPr>
+          <p:nvPr/>
+        </p:nvPicPr>
+        <p:blipFill>
+          <a:blip r:embed="rId2">
+            <a:extLst>
+              <a:ext uri="{28A0092B-C50C-407E-A947-70E740481C1C}">
+                <a14:useLocalDpi xmlns:a14="http://schemas.microsoft.com/office/drawing/2010/main" val="0"/>
+              </a:ext>
+            </a:extLst>
+          </a:blip>
+          <a:srcRect/>
+          <a:stretch>
+            <a:fillRect/>
+          </a:stretch>
+        </p:blipFill>
+        <p:spPr bwMode="auto">
+          <a:xfrm>
+            <a:off x="581025" y="1395413"/>
+            <a:ext cx="7981950" cy="4067175"/>
+          </a:xfrm>
+          <a:prstGeom prst="rect">
+            <a:avLst/>
+          </a:prstGeom>
+          <a:noFill/>
+          <a:ln>
+            <a:noFill/>
+          </a:ln>
+          <a:effectLst/>
+          <a:extLst>
+            <a:ext uri="{909E8E84-426E-40DD-AFC4-6F175D3DCCD1}">
+              <a14:hiddenFill xmlns:a14="http://schemas.microsoft.com/office/drawing/2010/main">
+                <a:solidFill>
+                  <a:schemeClr val="accent1"/>
+                </a:solidFill>
+              </a14:hiddenFill>
+            </a:ext>
+            <a:ext uri="{91240B29-F687-4F45-9708-019B960494DF}">
+              <a14:hiddenLine xmlns:a14="http://schemas.microsoft.com/office/drawing/2010/main" w="9525">
+                <a:solidFill>
+                  <a:schemeClr val="tx1"/>
+                </a:solidFill>
+                <a:miter lim="800000"/>
+                <a:headEnd/>
+                <a:tailEnd/>
+              </a14:hiddenLine>
+            </a:ext>
+            <a:ext uri="{AF507438-7753-43E0-B8FC-AC1667EBCBE1}">
+              <a14:hiddenEffects xmlns:a14="http://schemas.microsoft.com/office/drawing/2010/main">
+                <a:effectLst>
+                  <a:outerShdw dist="35921" dir="2700000" algn="ctr" rotWithShape="0">
+                    <a:schemeClr val="bg2"/>
+                  </a:outerShdw>
+                </a:effectLst>
+              </a14:hiddenEffects>
+            </a:ext>
+          </a:extLst>
+        </p:spPr>
+      </p:pic>
+    </p:spTree>
+    <p:extLst>
+      <p:ext uri="{BB962C8B-B14F-4D97-AF65-F5344CB8AC3E}">
+        <p14:creationId xmlns:p14="http://schemas.microsoft.com/office/powerpoint/2010/main" val="150092117"/>
+      </p:ext>
+    </p:extLst>
+  </p:cSld>
+  <p:clrMapOvr>
+    <a:masterClrMapping/>
+  </p:clrMapOvr>
+</p:sld>
+</file>
+
+<file path=ppt/slides/slide11.xml><?xml version="1.0" encoding="utf-8"?>
+<p:sld xmlns:a="http://schemas.openxmlformats.org/drawingml/2006/main" xmlns:r="http://schemas.openxmlformats.org/officeDocument/2006/relationships" xmlns:p="http://schemas.openxmlformats.org/presentationml/2006/main">
+  <p:cSld>
+    <p:spTree>
+      <p:nvGrpSpPr>
+        <p:cNvPr id="1" name=""/>
+        <p:cNvGrpSpPr/>
+        <p:nvPr/>
+      </p:nvGrpSpPr>
+      <p:grpSpPr>
+        <a:xfrm>
+          <a:off x="0" y="0"/>
+          <a:ext cx="0" cy="0"/>
+          <a:chOff x="0" y="0"/>
+          <a:chExt cx="0" cy="0"/>
+        </a:xfrm>
+      </p:grpSpPr>
+      <p:pic>
+        <p:nvPicPr>
+          <p:cNvPr id="7170" name="Picture 2"/>
+          <p:cNvPicPr>
+            <a:picLocks noChangeAspect="1" noChangeArrowheads="1"/>
+          </p:cNvPicPr>
+          <p:nvPr/>
+        </p:nvPicPr>
+        <p:blipFill>
+          <a:blip r:embed="rId2">
+            <a:extLst>
+              <a:ext uri="{28A0092B-C50C-407E-A947-70E740481C1C}">
+                <a14:useLocalDpi xmlns:a14="http://schemas.microsoft.com/office/drawing/2010/main" val="0"/>
+              </a:ext>
+            </a:extLst>
+          </a:blip>
+          <a:srcRect/>
+          <a:stretch>
+            <a:fillRect/>
+          </a:stretch>
+        </p:blipFill>
+        <p:spPr bwMode="auto">
+          <a:xfrm>
+            <a:off x="604838" y="685800"/>
+            <a:ext cx="7934325" cy="5486400"/>
+          </a:xfrm>
+          <a:prstGeom prst="rect">
+            <a:avLst/>
+          </a:prstGeom>
+          <a:noFill/>
+          <a:ln>
+            <a:noFill/>
+          </a:ln>
+          <a:effectLst/>
+          <a:extLst>
+            <a:ext uri="{909E8E84-426E-40DD-AFC4-6F175D3DCCD1}">
+              <a14:hiddenFill xmlns:a14="http://schemas.microsoft.com/office/drawing/2010/main">
+                <a:solidFill>
+                  <a:schemeClr val="accent1"/>
+                </a:solidFill>
+              </a14:hiddenFill>
+            </a:ext>
+            <a:ext uri="{91240B29-F687-4F45-9708-019B960494DF}">
+              <a14:hiddenLine xmlns:a14="http://schemas.microsoft.com/office/drawing/2010/main" w="9525">
+                <a:solidFill>
+                  <a:schemeClr val="tx1"/>
+                </a:solidFill>
+                <a:miter lim="800000"/>
+                <a:headEnd/>
+                <a:tailEnd/>
+              </a14:hiddenLine>
+            </a:ext>
+            <a:ext uri="{AF507438-7753-43E0-B8FC-AC1667EBCBE1}">
+              <a14:hiddenEffects xmlns:a14="http://schemas.microsoft.com/office/drawing/2010/main">
+                <a:effectLst>
+                  <a:outerShdw dist="35921" dir="2700000" algn="ctr" rotWithShape="0">
+                    <a:schemeClr val="bg2"/>
+                  </a:outerShdw>
+                </a:effectLst>
+              </a14:hiddenEffects>
+            </a:ext>
+          </a:extLst>
+        </p:spPr>
+      </p:pic>
+    </p:spTree>
+    <p:extLst>
+      <p:ext uri="{BB962C8B-B14F-4D97-AF65-F5344CB8AC3E}">
+        <p14:creationId xmlns:p14="http://schemas.microsoft.com/office/powerpoint/2010/main" val="1448788369"/>
+      </p:ext>
+    </p:extLst>
+  </p:cSld>
+  <p:clrMapOvr>
+    <a:masterClrMapping/>
+  </p:clrMapOvr>
+</p:sld>
+</file>
+
+<file path=ppt/slides/slide12.xml><?xml version="1.0" encoding="utf-8"?>
+<p:sld xmlns:a="http://schemas.openxmlformats.org/drawingml/2006/main" xmlns:r="http://schemas.openxmlformats.org/officeDocument/2006/relationships" xmlns:p="http://schemas.openxmlformats.org/presentationml/2006/main">
+  <p:cSld>
+    <p:spTree>
+      <p:nvGrpSpPr>
+        <p:cNvPr id="1" name=""/>
+        <p:cNvGrpSpPr/>
+        <p:nvPr/>
+      </p:nvGrpSpPr>
+      <p:grpSpPr>
+        <a:xfrm>
+          <a:off x="0" y="0"/>
+          <a:ext cx="0" cy="0"/>
+          <a:chOff x="0" y="0"/>
+          <a:chExt cx="0" cy="0"/>
+        </a:xfrm>
+      </p:grpSpPr>
+      <p:pic>
+        <p:nvPicPr>
+          <p:cNvPr id="8194" name="Picture 2"/>
+          <p:cNvPicPr>
+            <a:picLocks noChangeAspect="1" noChangeArrowheads="1"/>
+          </p:cNvPicPr>
+          <p:nvPr/>
+        </p:nvPicPr>
+        <p:blipFill>
+          <a:blip r:embed="rId2">
+            <a:extLst>
+              <a:ext uri="{28A0092B-C50C-407E-A947-70E740481C1C}">
+                <a14:useLocalDpi xmlns:a14="http://schemas.microsoft.com/office/drawing/2010/main" val="0"/>
+              </a:ext>
+            </a:extLst>
+          </a:blip>
+          <a:srcRect/>
+          <a:stretch>
+            <a:fillRect/>
+          </a:stretch>
+        </p:blipFill>
+        <p:spPr bwMode="auto">
+          <a:xfrm>
+            <a:off x="490538" y="285750"/>
+            <a:ext cx="8162925" cy="6286500"/>
+          </a:xfrm>
+          <a:prstGeom prst="rect">
+            <a:avLst/>
+          </a:prstGeom>
+          <a:noFill/>
+          <a:ln>
+            <a:noFill/>
+          </a:ln>
+          <a:effectLst/>
+          <a:extLst>
+            <a:ext uri="{909E8E84-426E-40DD-AFC4-6F175D3DCCD1}">
+              <a14:hiddenFill xmlns:a14="http://schemas.microsoft.com/office/drawing/2010/main">
+                <a:solidFill>
+                  <a:schemeClr val="accent1"/>
+                </a:solidFill>
+              </a14:hiddenFill>
+            </a:ext>
+            <a:ext uri="{91240B29-F687-4F45-9708-019B960494DF}">
+              <a14:hiddenLine xmlns:a14="http://schemas.microsoft.com/office/drawing/2010/main" w="9525">
+                <a:solidFill>
+                  <a:schemeClr val="tx1"/>
+                </a:solidFill>
+                <a:miter lim="800000"/>
+                <a:headEnd/>
+                <a:tailEnd/>
+              </a14:hiddenLine>
+            </a:ext>
+            <a:ext uri="{AF507438-7753-43E0-B8FC-AC1667EBCBE1}">
+              <a14:hiddenEffects xmlns:a14="http://schemas.microsoft.com/office/drawing/2010/main">
+                <a:effectLst>
+                  <a:outerShdw dist="35921" dir="2700000" algn="ctr" rotWithShape="0">
+                    <a:schemeClr val="bg2"/>
+                  </a:outerShdw>
+                </a:effectLst>
+              </a14:hiddenEffects>
+            </a:ext>
+          </a:extLst>
+        </p:spPr>
+      </p:pic>
+    </p:spTree>
+    <p:extLst>
+      <p:ext uri="{BB962C8B-B14F-4D97-AF65-F5344CB8AC3E}">
+        <p14:creationId xmlns:p14="http://schemas.microsoft.com/office/powerpoint/2010/main" val="629591665"/>
+      </p:ext>
+    </p:extLst>
+  </p:cSld>
+  <p:clrMapOvr>
+    <a:masterClrMapping/>
+  </p:clrMapOvr>
+</p:sld>
+</file>
+
+<file path=ppt/slides/slide13.xml><?xml version="1.0" encoding="utf-8"?>
 <p:sld xmlns:a="http://schemas.openxmlformats.org/drawingml/2006/main" xmlns:r="http://schemas.openxmlformats.org/officeDocument/2006/relationships" xmlns:p="http://schemas.openxmlformats.org/presentationml/2006/main">
   <p:cSld>
     <p:spTree>
@@ -3278,17 +3572,10 @@
   <p:clrMapOvr>
     <a:masterClrMapping/>
   </p:clrMapOvr>
-  <p:timing>
-    <p:tnLst>
-      <p:par>
-        <p:cTn id="1" dur="indefinite" restart="never" nodeType="tmRoot"/>
-      </p:par>
-    </p:tnLst>
-  </p:timing>
 </p:sld>
 </file>
 
-<file path=ppt/slides/slide11.xml><?xml version="1.0" encoding="utf-8"?>
+<file path=ppt/slides/slide14.xml><?xml version="1.0" encoding="utf-8"?>
 <p:sld xmlns:a="http://schemas.openxmlformats.org/drawingml/2006/main" xmlns:r="http://schemas.openxmlformats.org/officeDocument/2006/relationships" xmlns:p="http://schemas.openxmlformats.org/presentationml/2006/main">
   <p:cSld>
     <p:spTree>
@@ -3379,17 +3666,10 @@
   <p:clrMapOvr>
     <a:masterClrMapping/>
   </p:clrMapOvr>
-  <p:timing>
-    <p:tnLst>
-      <p:par>
-        <p:cTn id="1" dur="indefinite" restart="never" nodeType="tmRoot"/>
-      </p:par>
-    </p:tnLst>
-  </p:timing>
 </p:sld>
 </file>
 
-<file path=ppt/slides/slide12.xml><?xml version="1.0" encoding="utf-8"?>
+<file path=ppt/slides/slide15.xml><?xml version="1.0" encoding="utf-8"?>
 <p:sld xmlns:a="http://schemas.openxmlformats.org/drawingml/2006/main" xmlns:r="http://schemas.openxmlformats.org/officeDocument/2006/relationships" xmlns:p="http://schemas.openxmlformats.org/presentationml/2006/main">
   <p:cSld>
     <p:spTree>
@@ -3480,17 +3760,10 @@
   <p:clrMapOvr>
     <a:masterClrMapping/>
   </p:clrMapOvr>
-  <p:timing>
-    <p:tnLst>
-      <p:par>
-        <p:cTn id="1" dur="indefinite" restart="never" nodeType="tmRoot"/>
-      </p:par>
-    </p:tnLst>
-  </p:timing>
 </p:sld>
 </file>
 
-<file path=ppt/slides/slide13.xml><?xml version="1.0" encoding="utf-8"?>
+<file path=ppt/slides/slide16.xml><?xml version="1.0" encoding="utf-8"?>
 <p:sld xmlns:a="http://schemas.openxmlformats.org/drawingml/2006/main" xmlns:r="http://schemas.openxmlformats.org/officeDocument/2006/relationships" xmlns:p="http://schemas.openxmlformats.org/presentationml/2006/main">
   <p:cSld>
     <p:spTree>
@@ -3581,17 +3854,10 @@
   <p:clrMapOvr>
     <a:masterClrMapping/>
   </p:clrMapOvr>
-  <p:timing>
-    <p:tnLst>
-      <p:par>
-        <p:cTn id="1" dur="indefinite" restart="never" nodeType="tmRoot"/>
-      </p:par>
-    </p:tnLst>
-  </p:timing>
 </p:sld>
 </file>
 
-<file path=ppt/slides/slide14.xml><?xml version="1.0" encoding="utf-8"?>
+<file path=ppt/slides/slide17.xml><?xml version="1.0" encoding="utf-8"?>
 <p:sld xmlns:a="http://schemas.openxmlformats.org/drawingml/2006/main" xmlns:r="http://schemas.openxmlformats.org/officeDocument/2006/relationships" xmlns:p="http://schemas.openxmlformats.org/presentationml/2006/main">
   <p:cSld>
     <p:spTree>
@@ -3682,17 +3948,10 @@
   <p:clrMapOvr>
     <a:masterClrMapping/>
   </p:clrMapOvr>
-  <p:timing>
-    <p:tnLst>
-      <p:par>
-        <p:cTn id="1" dur="indefinite" restart="never" nodeType="tmRoot"/>
-      </p:par>
-    </p:tnLst>
-  </p:timing>
 </p:sld>
 </file>
 
-<file path=ppt/slides/slide15.xml><?xml version="1.0" encoding="utf-8"?>
+<file path=ppt/slides/slide18.xml><?xml version="1.0" encoding="utf-8"?>
 <p:sld xmlns:a="http://schemas.openxmlformats.org/drawingml/2006/main" xmlns:r="http://schemas.openxmlformats.org/officeDocument/2006/relationships" xmlns:p="http://schemas.openxmlformats.org/presentationml/2006/main">
   <p:cSld>
     <p:spTree>
@@ -3783,17 +4042,10 @@
   <p:clrMapOvr>
     <a:masterClrMapping/>
   </p:clrMapOvr>
-  <p:timing>
-    <p:tnLst>
-      <p:par>
-        <p:cTn id="1" dur="indefinite" restart="never" nodeType="tmRoot"/>
-      </p:par>
-    </p:tnLst>
-  </p:timing>
 </p:sld>
 </file>
 
-<file path=ppt/slides/slide16.xml><?xml version="1.0" encoding="utf-8"?>
+<file path=ppt/slides/slide19.xml><?xml version="1.0" encoding="utf-8"?>
 <p:sld xmlns:a="http://schemas.openxmlformats.org/drawingml/2006/main" xmlns:r="http://schemas.openxmlformats.org/officeDocument/2006/relationships" xmlns:p="http://schemas.openxmlformats.org/presentationml/2006/main">
   <p:cSld>
     <p:spTree>
@@ -3884,17 +4136,94 @@
   <p:clrMapOvr>
     <a:masterClrMapping/>
   </p:clrMapOvr>
-  <p:timing>
-    <p:tnLst>
-      <p:par>
-        <p:cTn id="1" dur="indefinite" restart="never" nodeType="tmRoot"/>
-      </p:par>
-    </p:tnLst>
-  </p:timing>
 </p:sld>
 </file>
 
-<file path=ppt/slides/slide17.xml><?xml version="1.0" encoding="utf-8"?>
+<file path=ppt/slides/slide2.xml><?xml version="1.0" encoding="utf-8"?>
+<p:sld xmlns:a="http://schemas.openxmlformats.org/drawingml/2006/main" xmlns:r="http://schemas.openxmlformats.org/officeDocument/2006/relationships" xmlns:p="http://schemas.openxmlformats.org/presentationml/2006/main">
+  <p:cSld>
+    <p:spTree>
+      <p:nvGrpSpPr>
+        <p:cNvPr id="1" name=""/>
+        <p:cNvGrpSpPr/>
+        <p:nvPr/>
+      </p:nvGrpSpPr>
+      <p:grpSpPr>
+        <a:xfrm>
+          <a:off x="0" y="0"/>
+          <a:ext cx="0" cy="0"/>
+          <a:chOff x="0" y="0"/>
+          <a:chExt cx="0" cy="0"/>
+        </a:xfrm>
+      </p:grpSpPr>
+      <p:sp>
+        <p:nvSpPr>
+          <p:cNvPr id="2" name="Title 1">
+            <a:extLst>
+              <a:ext uri="{FF2B5EF4-FFF2-40B4-BE49-F238E27FC236}">
+                <a16:creationId xmlns:a16="http://schemas.microsoft.com/office/drawing/2014/main" id="{3FABEABD-DBC8-A49D-AB2B-F0C1DD6C7EB5}"/>
+              </a:ext>
+            </a:extLst>
+          </p:cNvPr>
+          <p:cNvSpPr>
+            <a:spLocks noGrp="1"/>
+          </p:cNvSpPr>
+          <p:nvPr>
+            <p:ph type="title"/>
+          </p:nvPr>
+        </p:nvSpPr>
+        <p:spPr/>
+        <p:txBody>
+          <a:bodyPr/>
+          <a:lstStyle/>
+          <a:p>
+            <a:endParaRPr lang="en-US"/>
+          </a:p>
+        </p:txBody>
+      </p:sp>
+      <p:sp>
+        <p:nvSpPr>
+          <p:cNvPr id="3" name="Content Placeholder 2">
+            <a:extLst>
+              <a:ext uri="{FF2B5EF4-FFF2-40B4-BE49-F238E27FC236}">
+                <a16:creationId xmlns:a16="http://schemas.microsoft.com/office/drawing/2014/main" id="{447A37A9-417C-0EAC-78FF-C1C795BA6164}"/>
+              </a:ext>
+            </a:extLst>
+          </p:cNvPr>
+          <p:cNvSpPr>
+            <a:spLocks noGrp="1"/>
+          </p:cNvSpPr>
+          <p:nvPr>
+            <p:ph idx="1"/>
+          </p:nvPr>
+        </p:nvSpPr>
+        <p:spPr/>
+        <p:txBody>
+          <a:bodyPr/>
+          <a:lstStyle/>
+          <a:p>
+            <a:r>
+              <a:rPr lang="en-US" dirty="0" err="1"/>
+              <a:t>ddfdffddf</a:t>
+            </a:r>
+            <a:endParaRPr lang="en-US" dirty="0"/>
+          </a:p>
+        </p:txBody>
+      </p:sp>
+    </p:spTree>
+    <p:extLst>
+      <p:ext uri="{BB962C8B-B14F-4D97-AF65-F5344CB8AC3E}">
+        <p14:creationId xmlns:p14="http://schemas.microsoft.com/office/powerpoint/2010/main" val="4001761707"/>
+      </p:ext>
+    </p:extLst>
+  </p:cSld>
+  <p:clrMapOvr>
+    <a:masterClrMapping/>
+  </p:clrMapOvr>
+</p:sld>
+</file>
+
+<file path=ppt/slides/slide20.xml><?xml version="1.0" encoding="utf-8"?>
 <p:sld xmlns:a="http://schemas.openxmlformats.org/drawingml/2006/main" xmlns:r="http://schemas.openxmlformats.org/officeDocument/2006/relationships" xmlns:p="http://schemas.openxmlformats.org/presentationml/2006/main">
   <p:cSld>
     <p:spTree>
@@ -3985,17 +4314,10 @@
   <p:clrMapOvr>
     <a:masterClrMapping/>
   </p:clrMapOvr>
-  <p:timing>
-    <p:tnLst>
-      <p:par>
-        <p:cTn id="1" dur="indefinite" restart="never" nodeType="tmRoot"/>
-      </p:par>
-    </p:tnLst>
-  </p:timing>
 </p:sld>
 </file>
 
-<file path=ppt/slides/slide18.xml><?xml version="1.0" encoding="utf-8"?>
+<file path=ppt/slides/slide21.xml><?xml version="1.0" encoding="utf-8"?>
 <p:sld xmlns:a="http://schemas.openxmlformats.org/drawingml/2006/main" xmlns:r="http://schemas.openxmlformats.org/officeDocument/2006/relationships" xmlns:p="http://schemas.openxmlformats.org/presentationml/2006/main">
   <p:cSld>
     <p:spTree>
@@ -4086,17 +4408,10 @@
   <p:clrMapOvr>
     <a:masterClrMapping/>
   </p:clrMapOvr>
-  <p:timing>
-    <p:tnLst>
-      <p:par>
-        <p:cTn id="1" dur="indefinite" restart="never" nodeType="tmRoot"/>
-      </p:par>
-    </p:tnLst>
-  </p:timing>
 </p:sld>
 </file>
 
-<file path=ppt/slides/slide19.xml><?xml version="1.0" encoding="utf-8"?>
+<file path=ppt/slides/slide22.xml><?xml version="1.0" encoding="utf-8"?>
 <p:sld xmlns:a="http://schemas.openxmlformats.org/drawingml/2006/main" xmlns:r="http://schemas.openxmlformats.org/officeDocument/2006/relationships" xmlns:p="http://schemas.openxmlformats.org/presentationml/2006/main">
   <p:cSld>
     <p:spTree>
@@ -4187,17 +4502,1421 @@
   <p:clrMapOvr>
     <a:masterClrMapping/>
   </p:clrMapOvr>
-  <p:timing>
-    <p:tnLst>
-      <p:par>
-        <p:cTn id="1" dur="indefinite" restart="never" nodeType="tmRoot"/>
-      </p:par>
-    </p:tnLst>
-  </p:timing>
 </p:sld>
 </file>
 
-<file path=ppt/slides/slide2.xml><?xml version="1.0" encoding="utf-8"?>
+<file path=ppt/slides/slide23.xml><?xml version="1.0" encoding="utf-8"?>
+<p:sld xmlns:a="http://schemas.openxmlformats.org/drawingml/2006/main" xmlns:r="http://schemas.openxmlformats.org/officeDocument/2006/relationships" xmlns:p="http://schemas.openxmlformats.org/presentationml/2006/main">
+  <p:cSld>
+    <p:spTree>
+      <p:nvGrpSpPr>
+        <p:cNvPr id="1" name=""/>
+        <p:cNvGrpSpPr/>
+        <p:nvPr/>
+      </p:nvGrpSpPr>
+      <p:grpSpPr>
+        <a:xfrm>
+          <a:off x="0" y="0"/>
+          <a:ext cx="0" cy="0"/>
+          <a:chOff x="0" y="0"/>
+          <a:chExt cx="0" cy="0"/>
+        </a:xfrm>
+      </p:grpSpPr>
+      <p:pic>
+        <p:nvPicPr>
+          <p:cNvPr id="20482" name="Picture 2"/>
+          <p:cNvPicPr>
+            <a:picLocks noChangeAspect="1" noChangeArrowheads="1"/>
+          </p:cNvPicPr>
+          <p:nvPr/>
+        </p:nvPicPr>
+        <p:blipFill>
+          <a:blip r:embed="rId2">
+            <a:extLst>
+              <a:ext uri="{28A0092B-C50C-407E-A947-70E740481C1C}">
+                <a14:useLocalDpi xmlns:a14="http://schemas.microsoft.com/office/drawing/2010/main" val="0"/>
+              </a:ext>
+            </a:extLst>
+          </a:blip>
+          <a:srcRect/>
+          <a:stretch>
+            <a:fillRect/>
+          </a:stretch>
+        </p:blipFill>
+        <p:spPr bwMode="auto">
+          <a:xfrm>
+            <a:off x="504825" y="390525"/>
+            <a:ext cx="8134350" cy="6076950"/>
+          </a:xfrm>
+          <a:prstGeom prst="rect">
+            <a:avLst/>
+          </a:prstGeom>
+          <a:noFill/>
+          <a:ln>
+            <a:noFill/>
+          </a:ln>
+          <a:effectLst/>
+          <a:extLst>
+            <a:ext uri="{909E8E84-426E-40DD-AFC4-6F175D3DCCD1}">
+              <a14:hiddenFill xmlns:a14="http://schemas.microsoft.com/office/drawing/2010/main">
+                <a:solidFill>
+                  <a:schemeClr val="accent1"/>
+                </a:solidFill>
+              </a14:hiddenFill>
+            </a:ext>
+            <a:ext uri="{91240B29-F687-4F45-9708-019B960494DF}">
+              <a14:hiddenLine xmlns:a14="http://schemas.microsoft.com/office/drawing/2010/main" w="9525">
+                <a:solidFill>
+                  <a:schemeClr val="tx1"/>
+                </a:solidFill>
+                <a:miter lim="800000"/>
+                <a:headEnd/>
+                <a:tailEnd/>
+              </a14:hiddenLine>
+            </a:ext>
+            <a:ext uri="{AF507438-7753-43E0-B8FC-AC1667EBCBE1}">
+              <a14:hiddenEffects xmlns:a14="http://schemas.microsoft.com/office/drawing/2010/main">
+                <a:effectLst>
+                  <a:outerShdw dist="35921" dir="2700000" algn="ctr" rotWithShape="0">
+                    <a:schemeClr val="bg2"/>
+                  </a:outerShdw>
+                </a:effectLst>
+              </a14:hiddenEffects>
+            </a:ext>
+          </a:extLst>
+        </p:spPr>
+      </p:pic>
+    </p:spTree>
+    <p:extLst>
+      <p:ext uri="{BB962C8B-B14F-4D97-AF65-F5344CB8AC3E}">
+        <p14:creationId xmlns:p14="http://schemas.microsoft.com/office/powerpoint/2010/main" val="1500861223"/>
+      </p:ext>
+    </p:extLst>
+  </p:cSld>
+  <p:clrMapOvr>
+    <a:masterClrMapping/>
+  </p:clrMapOvr>
+</p:sld>
+</file>
+
+<file path=ppt/slides/slide24.xml><?xml version="1.0" encoding="utf-8"?>
+<p:sld xmlns:a="http://schemas.openxmlformats.org/drawingml/2006/main" xmlns:r="http://schemas.openxmlformats.org/officeDocument/2006/relationships" xmlns:p="http://schemas.openxmlformats.org/presentationml/2006/main">
+  <p:cSld>
+    <p:spTree>
+      <p:nvGrpSpPr>
+        <p:cNvPr id="1" name=""/>
+        <p:cNvGrpSpPr/>
+        <p:nvPr/>
+      </p:nvGrpSpPr>
+      <p:grpSpPr>
+        <a:xfrm>
+          <a:off x="0" y="0"/>
+          <a:ext cx="0" cy="0"/>
+          <a:chOff x="0" y="0"/>
+          <a:chExt cx="0" cy="0"/>
+        </a:xfrm>
+      </p:grpSpPr>
+      <p:pic>
+        <p:nvPicPr>
+          <p:cNvPr id="21506" name="Picture 2"/>
+          <p:cNvPicPr>
+            <a:picLocks noChangeAspect="1" noChangeArrowheads="1"/>
+          </p:cNvPicPr>
+          <p:nvPr/>
+        </p:nvPicPr>
+        <p:blipFill>
+          <a:blip r:embed="rId2">
+            <a:extLst>
+              <a:ext uri="{28A0092B-C50C-407E-A947-70E740481C1C}">
+                <a14:useLocalDpi xmlns:a14="http://schemas.microsoft.com/office/drawing/2010/main" val="0"/>
+              </a:ext>
+            </a:extLst>
+          </a:blip>
+          <a:srcRect/>
+          <a:stretch>
+            <a:fillRect/>
+          </a:stretch>
+        </p:blipFill>
+        <p:spPr bwMode="auto">
+          <a:xfrm>
+            <a:off x="457200" y="433388"/>
+            <a:ext cx="8229600" cy="5991225"/>
+          </a:xfrm>
+          <a:prstGeom prst="rect">
+            <a:avLst/>
+          </a:prstGeom>
+          <a:noFill/>
+          <a:ln>
+            <a:noFill/>
+          </a:ln>
+          <a:effectLst/>
+          <a:extLst>
+            <a:ext uri="{909E8E84-426E-40DD-AFC4-6F175D3DCCD1}">
+              <a14:hiddenFill xmlns:a14="http://schemas.microsoft.com/office/drawing/2010/main">
+                <a:solidFill>
+                  <a:schemeClr val="accent1"/>
+                </a:solidFill>
+              </a14:hiddenFill>
+            </a:ext>
+            <a:ext uri="{91240B29-F687-4F45-9708-019B960494DF}">
+              <a14:hiddenLine xmlns:a14="http://schemas.microsoft.com/office/drawing/2010/main" w="9525">
+                <a:solidFill>
+                  <a:schemeClr val="tx1"/>
+                </a:solidFill>
+                <a:miter lim="800000"/>
+                <a:headEnd/>
+                <a:tailEnd/>
+              </a14:hiddenLine>
+            </a:ext>
+            <a:ext uri="{AF507438-7753-43E0-B8FC-AC1667EBCBE1}">
+              <a14:hiddenEffects xmlns:a14="http://schemas.microsoft.com/office/drawing/2010/main">
+                <a:effectLst>
+                  <a:outerShdw dist="35921" dir="2700000" algn="ctr" rotWithShape="0">
+                    <a:schemeClr val="bg2"/>
+                  </a:outerShdw>
+                </a:effectLst>
+              </a14:hiddenEffects>
+            </a:ext>
+          </a:extLst>
+        </p:spPr>
+      </p:pic>
+    </p:spTree>
+    <p:extLst>
+      <p:ext uri="{BB962C8B-B14F-4D97-AF65-F5344CB8AC3E}">
+        <p14:creationId xmlns:p14="http://schemas.microsoft.com/office/powerpoint/2010/main" val="3240934531"/>
+      </p:ext>
+    </p:extLst>
+  </p:cSld>
+  <p:clrMapOvr>
+    <a:masterClrMapping/>
+  </p:clrMapOvr>
+</p:sld>
+</file>
+
+<file path=ppt/slides/slide25.xml><?xml version="1.0" encoding="utf-8"?>
+<p:sld xmlns:a="http://schemas.openxmlformats.org/drawingml/2006/main" xmlns:r="http://schemas.openxmlformats.org/officeDocument/2006/relationships" xmlns:p="http://schemas.openxmlformats.org/presentationml/2006/main">
+  <p:cSld>
+    <p:spTree>
+      <p:nvGrpSpPr>
+        <p:cNvPr id="1" name=""/>
+        <p:cNvGrpSpPr/>
+        <p:nvPr/>
+      </p:nvGrpSpPr>
+      <p:grpSpPr>
+        <a:xfrm>
+          <a:off x="0" y="0"/>
+          <a:ext cx="0" cy="0"/>
+          <a:chOff x="0" y="0"/>
+          <a:chExt cx="0" cy="0"/>
+        </a:xfrm>
+      </p:grpSpPr>
+    </p:spTree>
+    <p:extLst>
+      <p:ext uri="{BB962C8B-B14F-4D97-AF65-F5344CB8AC3E}">
+        <p14:creationId xmlns:p14="http://schemas.microsoft.com/office/powerpoint/2010/main" val="2139557488"/>
+      </p:ext>
+    </p:extLst>
+  </p:cSld>
+  <p:clrMapOvr>
+    <a:masterClrMapping/>
+  </p:clrMapOvr>
+</p:sld>
+</file>
+
+<file path=ppt/slides/slide26.xml><?xml version="1.0" encoding="utf-8"?>
+<p:sld xmlns:a="http://schemas.openxmlformats.org/drawingml/2006/main" xmlns:r="http://schemas.openxmlformats.org/officeDocument/2006/relationships" xmlns:p="http://schemas.openxmlformats.org/presentationml/2006/main">
+  <p:cSld>
+    <p:spTree>
+      <p:nvGrpSpPr>
+        <p:cNvPr id="1" name=""/>
+        <p:cNvGrpSpPr/>
+        <p:nvPr/>
+      </p:nvGrpSpPr>
+      <p:grpSpPr>
+        <a:xfrm>
+          <a:off x="0" y="0"/>
+          <a:ext cx="0" cy="0"/>
+          <a:chOff x="0" y="0"/>
+          <a:chExt cx="0" cy="0"/>
+        </a:xfrm>
+      </p:grpSpPr>
+      <p:sp>
+        <p:nvSpPr>
+          <p:cNvPr id="2" name="Title 1"/>
+          <p:cNvSpPr>
+            <a:spLocks noGrp="1"/>
+          </p:cNvSpPr>
+          <p:nvPr>
+            <p:ph type="ctrTitle"/>
+          </p:nvPr>
+        </p:nvSpPr>
+        <p:spPr/>
+        <p:txBody>
+          <a:bodyPr>
+            <a:normAutofit fontScale="90000"/>
+          </a:bodyPr>
+          <a:lstStyle/>
+          <a:p>
+            <a:br>
+              <a:rPr lang="en-IN" dirty="0"/>
+            </a:br>
+            <a:r>
+              <a:rPr lang="en-US" dirty="0"/>
+              <a:t> </a:t>
+            </a:r>
+            <a:r>
+              <a:rPr lang="en-US" b="1" dirty="0"/>
+              <a:t>UNIT I - AUTOMATA AND REGULAR EXPRESSIONS </a:t>
+            </a:r>
+            <a:r>
+              <a:rPr lang="en-US" dirty="0"/>
+              <a:t>	</a:t>
+            </a:r>
+            <a:br>
+              <a:rPr lang="en-US" dirty="0"/>
+            </a:br>
+            <a:endParaRPr lang="en-IN" dirty="0"/>
+          </a:p>
+        </p:txBody>
+      </p:sp>
+      <p:sp>
+        <p:nvSpPr>
+          <p:cNvPr id="3" name="Subtitle 2"/>
+          <p:cNvSpPr>
+            <a:spLocks noGrp="1"/>
+          </p:cNvSpPr>
+          <p:nvPr>
+            <p:ph type="subTitle" idx="1"/>
+          </p:nvPr>
+        </p:nvSpPr>
+        <p:spPr>
+          <a:xfrm>
+            <a:off x="467544" y="3645024"/>
+            <a:ext cx="8424936" cy="2952328"/>
+          </a:xfrm>
+        </p:spPr>
+        <p:txBody>
+          <a:bodyPr>
+            <a:normAutofit fontScale="92500" lnSpcReduction="10000"/>
+          </a:bodyPr>
+          <a:lstStyle/>
+          <a:p>
+            <a:pPr algn="l"/>
+            <a:r>
+              <a:rPr lang="en-US" dirty="0">
+                <a:solidFill>
+                  <a:schemeClr val="tx1"/>
+                </a:solidFill>
+              </a:rPr>
+              <a:t>1. </a:t>
+            </a:r>
+            <a:r>
+              <a:rPr lang="en-IN" dirty="0">
+                <a:solidFill>
+                  <a:schemeClr val="tx1"/>
+                </a:solidFill>
+              </a:rPr>
+              <a:t>formal proof </a:t>
+            </a:r>
+          </a:p>
+          <a:p>
+            <a:pPr algn="l"/>
+            <a:r>
+              <a:rPr lang="en-IN" dirty="0">
+                <a:solidFill>
+                  <a:schemeClr val="tx1"/>
+                </a:solidFill>
+              </a:rPr>
+              <a:t>2.Deterministic Finite Automata (DFA)  - 	MINIMIZED D</a:t>
+            </a:r>
+          </a:p>
+          <a:p>
+            <a:pPr algn="l"/>
+            <a:r>
+              <a:rPr lang="en-IN" dirty="0">
+                <a:solidFill>
+                  <a:schemeClr val="tx1"/>
+                </a:solidFill>
+              </a:rPr>
+              <a:t>3.Non-deterministic Finite Automata (NFA) - convert NFA TO DFA 	</a:t>
+            </a:r>
+          </a:p>
+          <a:p>
+            <a:pPr algn="l"/>
+            <a:r>
+              <a:rPr lang="en-IN" dirty="0">
+                <a:solidFill>
+                  <a:schemeClr val="tx1"/>
+                </a:solidFill>
+              </a:rPr>
+              <a:t>4. </a:t>
+            </a:r>
+            <a:r>
+              <a:rPr lang="en-US" dirty="0">
+                <a:solidFill>
+                  <a:schemeClr val="tx1"/>
+                </a:solidFill>
+              </a:rPr>
+              <a:t>NFA WITH EPCILON  TO with out </a:t>
+            </a:r>
+            <a:r>
+              <a:rPr lang="en-US" dirty="0" err="1">
+                <a:solidFill>
+                  <a:schemeClr val="tx1"/>
+                </a:solidFill>
+              </a:rPr>
+              <a:t>epcilon</a:t>
+            </a:r>
+            <a:endParaRPr lang="en-US" dirty="0">
+              <a:solidFill>
+                <a:schemeClr val="tx1"/>
+              </a:solidFill>
+            </a:endParaRPr>
+          </a:p>
+        </p:txBody>
+      </p:sp>
+    </p:spTree>
+    <p:extLst>
+      <p:ext uri="{BB962C8B-B14F-4D97-AF65-F5344CB8AC3E}">
+        <p14:creationId xmlns:p14="http://schemas.microsoft.com/office/powerpoint/2010/main" val="3512797855"/>
+      </p:ext>
+    </p:extLst>
+  </p:cSld>
+  <p:clrMapOvr>
+    <a:masterClrMapping/>
+  </p:clrMapOvr>
+</p:sld>
+</file>
+
+<file path=ppt/slides/slide27.xml><?xml version="1.0" encoding="utf-8"?>
+<p:sld xmlns:a="http://schemas.openxmlformats.org/drawingml/2006/main" xmlns:r="http://schemas.openxmlformats.org/officeDocument/2006/relationships" xmlns:p="http://schemas.openxmlformats.org/presentationml/2006/main">
+  <p:cSld>
+    <p:spTree>
+      <p:nvGrpSpPr>
+        <p:cNvPr id="1" name=""/>
+        <p:cNvGrpSpPr/>
+        <p:nvPr/>
+      </p:nvGrpSpPr>
+      <p:grpSpPr>
+        <a:xfrm>
+          <a:off x="0" y="0"/>
+          <a:ext cx="0" cy="0"/>
+          <a:chOff x="0" y="0"/>
+          <a:chExt cx="0" cy="0"/>
+        </a:xfrm>
+      </p:grpSpPr>
+      <p:sp>
+        <p:nvSpPr>
+          <p:cNvPr id="2" name="Title 1"/>
+          <p:cNvSpPr>
+            <a:spLocks noGrp="1"/>
+          </p:cNvSpPr>
+          <p:nvPr>
+            <p:ph type="title"/>
+          </p:nvPr>
+        </p:nvSpPr>
+        <p:spPr/>
+        <p:txBody>
+          <a:bodyPr>
+            <a:normAutofit fontScale="90000"/>
+          </a:bodyPr>
+          <a:lstStyle/>
+          <a:p>
+            <a:br>
+              <a:rPr lang="en-IN" dirty="0"/>
+            </a:br>
+            <a:r>
+              <a:rPr lang="en-US" dirty="0"/>
+              <a:t> </a:t>
+            </a:r>
+            <a:r>
+              <a:rPr lang="en-US" b="1" dirty="0"/>
+              <a:t>UNIT II - REGULAR EXPRESSIONS AND LANGUAGES </a:t>
+            </a:r>
+            <a:r>
+              <a:rPr lang="en-US" dirty="0"/>
+              <a:t>	</a:t>
+            </a:r>
+            <a:br>
+              <a:rPr lang="en-US" dirty="0"/>
+            </a:br>
+            <a:br>
+              <a:rPr lang="en-IN" dirty="0"/>
+            </a:br>
+            <a:r>
+              <a:rPr lang="en-IN" dirty="0"/>
+              <a:t> </a:t>
+            </a:r>
+          </a:p>
+        </p:txBody>
+      </p:sp>
+      <p:sp>
+        <p:nvSpPr>
+          <p:cNvPr id="3" name="Content Placeholder 2"/>
+          <p:cNvSpPr>
+            <a:spLocks noGrp="1"/>
+          </p:cNvSpPr>
+          <p:nvPr>
+            <p:ph idx="1"/>
+          </p:nvPr>
+        </p:nvSpPr>
+        <p:spPr/>
+        <p:txBody>
+          <a:bodyPr/>
+          <a:lstStyle/>
+          <a:p>
+            <a:pPr marL="0" indent="0">
+              <a:buNone/>
+            </a:pPr>
+            <a:r>
+              <a:rPr lang="en-IN" dirty="0"/>
+              <a:t>1.Regular Expressions 	</a:t>
+            </a:r>
+          </a:p>
+          <a:p>
+            <a:pPr marL="0" indent="0">
+              <a:buNone/>
+            </a:pPr>
+            <a:r>
+              <a:rPr lang="en-IN" dirty="0"/>
+              <a:t>2. Properties of Regular Languages 	</a:t>
+            </a:r>
+            <a:br>
+              <a:rPr lang="en-IN" dirty="0"/>
+            </a:br>
+            <a:r>
+              <a:rPr lang="en-IN" dirty="0"/>
+              <a:t> 3. Pumping Lemma 	</a:t>
+            </a:r>
+            <a:br>
+              <a:rPr lang="en-IN" dirty="0"/>
+            </a:br>
+            <a:r>
+              <a:rPr lang="en-IN" dirty="0"/>
+              <a:t>4.</a:t>
+            </a:r>
+            <a:r>
+              <a:rPr lang="en-US" dirty="0"/>
+              <a:t> Closure properties of regular languages. 	</a:t>
+            </a:r>
+            <a:br>
+              <a:rPr lang="en-US" dirty="0"/>
+            </a:br>
+            <a:endParaRPr lang="en-IN" dirty="0"/>
+          </a:p>
+        </p:txBody>
+      </p:sp>
+    </p:spTree>
+    <p:extLst>
+      <p:ext uri="{BB962C8B-B14F-4D97-AF65-F5344CB8AC3E}">
+        <p14:creationId xmlns:p14="http://schemas.microsoft.com/office/powerpoint/2010/main" val="2369417960"/>
+      </p:ext>
+    </p:extLst>
+  </p:cSld>
+  <p:clrMapOvr>
+    <a:masterClrMapping/>
+  </p:clrMapOvr>
+</p:sld>
+</file>
+
+<file path=ppt/slides/slide28.xml><?xml version="1.0" encoding="utf-8"?>
+<p:sld xmlns:a="http://schemas.openxmlformats.org/drawingml/2006/main" xmlns:r="http://schemas.openxmlformats.org/officeDocument/2006/relationships" xmlns:p="http://schemas.openxmlformats.org/presentationml/2006/main">
+  <p:cSld>
+    <p:spTree>
+      <p:nvGrpSpPr>
+        <p:cNvPr id="1" name=""/>
+        <p:cNvGrpSpPr/>
+        <p:nvPr/>
+      </p:nvGrpSpPr>
+      <p:grpSpPr>
+        <a:xfrm>
+          <a:off x="0" y="0"/>
+          <a:ext cx="0" cy="0"/>
+          <a:chOff x="0" y="0"/>
+          <a:chExt cx="0" cy="0"/>
+        </a:xfrm>
+      </p:grpSpPr>
+      <p:sp>
+        <p:nvSpPr>
+          <p:cNvPr id="2" name="Title 1"/>
+          <p:cNvSpPr>
+            <a:spLocks noGrp="1"/>
+          </p:cNvSpPr>
+          <p:nvPr>
+            <p:ph type="title"/>
+          </p:nvPr>
+        </p:nvSpPr>
+        <p:spPr/>
+        <p:txBody>
+          <a:bodyPr>
+            <a:normAutofit fontScale="90000"/>
+          </a:bodyPr>
+          <a:lstStyle/>
+          <a:p>
+            <a:br>
+              <a:rPr lang="en-IN" dirty="0"/>
+            </a:br>
+            <a:r>
+              <a:rPr lang="en-US" dirty="0"/>
+              <a:t> </a:t>
+            </a:r>
+            <a:r>
+              <a:rPr lang="en-US" b="1" dirty="0"/>
+              <a:t>UNIT III - CONTEXT FREE GRAMMAR AND PUSH DOWN AUTOMATA </a:t>
+            </a:r>
+            <a:r>
+              <a:rPr lang="en-US" dirty="0"/>
+              <a:t>	</a:t>
+            </a:r>
+            <a:br>
+              <a:rPr lang="en-US" dirty="0"/>
+            </a:br>
+            <a:r>
+              <a:rPr lang="en-US" dirty="0"/>
+              <a:t>	</a:t>
+            </a:r>
+            <a:br>
+              <a:rPr lang="en-US" dirty="0"/>
+            </a:br>
+            <a:br>
+              <a:rPr lang="en-IN" dirty="0"/>
+            </a:br>
+            <a:r>
+              <a:rPr lang="en-IN" dirty="0"/>
+              <a:t> </a:t>
+            </a:r>
+          </a:p>
+        </p:txBody>
+      </p:sp>
+      <p:sp>
+        <p:nvSpPr>
+          <p:cNvPr id="3" name="Content Placeholder 2"/>
+          <p:cNvSpPr>
+            <a:spLocks noGrp="1"/>
+          </p:cNvSpPr>
+          <p:nvPr>
+            <p:ph idx="1"/>
+          </p:nvPr>
+        </p:nvSpPr>
+        <p:spPr/>
+        <p:txBody>
+          <a:bodyPr/>
+          <a:lstStyle/>
+          <a:p>
+            <a:pPr marL="0" indent="0">
+              <a:buNone/>
+            </a:pPr>
+            <a:r>
+              <a:rPr lang="en-IN" dirty="0"/>
+              <a:t>1. Context-Free Grammars and Languages 	</a:t>
+            </a:r>
+          </a:p>
+          <a:p>
+            <a:pPr marL="0" indent="0">
+              <a:buNone/>
+            </a:pPr>
+            <a:r>
+              <a:rPr lang="en-IN" dirty="0"/>
+              <a:t>2. Ambiguity in grammars 	</a:t>
+            </a:r>
+          </a:p>
+          <a:p>
+            <a:pPr marL="0" indent="0">
+              <a:buNone/>
+            </a:pPr>
+            <a:r>
+              <a:rPr lang="en-IN" dirty="0"/>
+              <a:t> 3. Push Down Automata 	</a:t>
+            </a:r>
+          </a:p>
+          <a:p>
+            <a:pPr marL="0" indent="0">
+              <a:buNone/>
+            </a:pPr>
+            <a:r>
+              <a:rPr lang="en-IN" dirty="0"/>
+              <a:t>4.</a:t>
+            </a:r>
+            <a:r>
+              <a:rPr lang="en-US" dirty="0"/>
+              <a:t> Equivalence of PDA's and CFG's 	</a:t>
+            </a:r>
+          </a:p>
+          <a:p>
+            <a:pPr marL="0" indent="0">
+              <a:buNone/>
+            </a:pPr>
+            <a:r>
+              <a:rPr lang="en-IN" dirty="0"/>
+              <a:t>5. Deterministic Pushdown Automata 	</a:t>
+            </a:r>
+          </a:p>
+          <a:p>
+            <a:pPr marL="0" indent="0">
+              <a:buNone/>
+            </a:pPr>
+            <a:r>
+              <a:rPr lang="en-US" dirty="0"/>
+              <a:t>	</a:t>
+            </a:r>
+            <a:br>
+              <a:rPr lang="en-US" dirty="0"/>
+            </a:br>
+            <a:endParaRPr lang="en-IN" dirty="0"/>
+          </a:p>
+        </p:txBody>
+      </p:sp>
+    </p:spTree>
+    <p:extLst>
+      <p:ext uri="{BB962C8B-B14F-4D97-AF65-F5344CB8AC3E}">
+        <p14:creationId xmlns:p14="http://schemas.microsoft.com/office/powerpoint/2010/main" val="3783370704"/>
+      </p:ext>
+    </p:extLst>
+  </p:cSld>
+  <p:clrMapOvr>
+    <a:masterClrMapping/>
+  </p:clrMapOvr>
+</p:sld>
+</file>
+
+<file path=ppt/slides/slide29.xml><?xml version="1.0" encoding="utf-8"?>
+<p:sld xmlns:a="http://schemas.openxmlformats.org/drawingml/2006/main" xmlns:r="http://schemas.openxmlformats.org/officeDocument/2006/relationships" xmlns:p="http://schemas.openxmlformats.org/presentationml/2006/main">
+  <p:cSld>
+    <p:spTree>
+      <p:nvGrpSpPr>
+        <p:cNvPr id="1" name=""/>
+        <p:cNvGrpSpPr/>
+        <p:nvPr/>
+      </p:nvGrpSpPr>
+      <p:grpSpPr>
+        <a:xfrm>
+          <a:off x="0" y="0"/>
+          <a:ext cx="0" cy="0"/>
+          <a:chOff x="0" y="0"/>
+          <a:chExt cx="0" cy="0"/>
+        </a:xfrm>
+      </p:grpSpPr>
+      <p:sp>
+        <p:nvSpPr>
+          <p:cNvPr id="2" name="Title 1"/>
+          <p:cNvSpPr>
+            <a:spLocks noGrp="1"/>
+          </p:cNvSpPr>
+          <p:nvPr>
+            <p:ph type="title"/>
+          </p:nvPr>
+        </p:nvSpPr>
+        <p:spPr/>
+        <p:txBody>
+          <a:bodyPr>
+            <a:normAutofit fontScale="90000"/>
+          </a:bodyPr>
+          <a:lstStyle/>
+          <a:p>
+            <a:br>
+              <a:rPr lang="en-IN" dirty="0"/>
+            </a:br>
+            <a:r>
+              <a:rPr lang="en-US" dirty="0"/>
+              <a:t> </a:t>
+            </a:r>
+            <a:br>
+              <a:rPr lang="en-US" dirty="0"/>
+            </a:br>
+            <a:br>
+              <a:rPr lang="en-US" dirty="0"/>
+            </a:br>
+            <a:br>
+              <a:rPr lang="en-US" dirty="0"/>
+            </a:br>
+            <a:r>
+              <a:rPr lang="en-US" b="1" dirty="0"/>
+              <a:t>UNIT IV - NORMAL FORMS AND TURING MACHINES </a:t>
+            </a:r>
+            <a:r>
+              <a:rPr lang="en-US" dirty="0"/>
+              <a:t>	</a:t>
+            </a:r>
+            <a:br>
+              <a:rPr lang="en-US" dirty="0"/>
+            </a:br>
+            <a:r>
+              <a:rPr lang="en-US" dirty="0"/>
+              <a:t>	</a:t>
+            </a:r>
+            <a:br>
+              <a:rPr lang="en-US" dirty="0"/>
+            </a:br>
+            <a:r>
+              <a:rPr lang="en-US" dirty="0"/>
+              <a:t>	</a:t>
+            </a:r>
+            <a:br>
+              <a:rPr lang="en-US" dirty="0"/>
+            </a:br>
+            <a:br>
+              <a:rPr lang="en-IN" dirty="0"/>
+            </a:br>
+            <a:r>
+              <a:rPr lang="en-IN" dirty="0"/>
+              <a:t> </a:t>
+            </a:r>
+          </a:p>
+        </p:txBody>
+      </p:sp>
+      <p:sp>
+        <p:nvSpPr>
+          <p:cNvPr id="3" name="Content Placeholder 2"/>
+          <p:cNvSpPr>
+            <a:spLocks noGrp="1"/>
+          </p:cNvSpPr>
+          <p:nvPr>
+            <p:ph idx="1"/>
+          </p:nvPr>
+        </p:nvSpPr>
+        <p:spPr/>
+        <p:txBody>
+          <a:bodyPr>
+            <a:normAutofit lnSpcReduction="10000"/>
+          </a:bodyPr>
+          <a:lstStyle/>
+          <a:p>
+            <a:pPr marL="0" indent="0">
+              <a:buNone/>
+            </a:pPr>
+            <a:r>
+              <a:rPr lang="en-IN" dirty="0"/>
+              <a:t>1. Chomsky Normal Form (CNF 	</a:t>
+            </a:r>
+          </a:p>
+          <a:p>
+            <a:pPr marL="0" indent="0">
+              <a:buNone/>
+            </a:pPr>
+            <a:r>
+              <a:rPr lang="en-IN" dirty="0"/>
+              <a:t>	</a:t>
+            </a:r>
+          </a:p>
+          <a:p>
+            <a:pPr marL="0" indent="0">
+              <a:buNone/>
+            </a:pPr>
+            <a:r>
+              <a:rPr lang="en-IN" dirty="0"/>
+              <a:t>2. </a:t>
+            </a:r>
+            <a:r>
+              <a:rPr lang="en-IN" dirty="0" err="1"/>
+              <a:t>Greibach</a:t>
+            </a:r>
+            <a:r>
+              <a:rPr lang="en-IN" dirty="0"/>
+              <a:t> Normal Form (GNF) 	</a:t>
+            </a:r>
+          </a:p>
+          <a:p>
+            <a:pPr marL="0" indent="0">
+              <a:buNone/>
+            </a:pPr>
+            <a:r>
+              <a:rPr lang="en-IN" dirty="0"/>
+              <a:t>	</a:t>
+            </a:r>
+          </a:p>
+          <a:p>
+            <a:pPr marL="0" indent="0">
+              <a:buNone/>
+            </a:pPr>
+            <a:r>
+              <a:rPr lang="en-IN" dirty="0"/>
+              <a:t> 3. Turing Machine 	</a:t>
+            </a:r>
+          </a:p>
+          <a:p>
+            <a:pPr marL="0" indent="0">
+              <a:buNone/>
+            </a:pPr>
+            <a:r>
+              <a:rPr lang="en-IN" dirty="0"/>
+              <a:t>	</a:t>
+            </a:r>
+          </a:p>
+          <a:p>
+            <a:pPr marL="0" indent="0">
+              <a:buNone/>
+            </a:pPr>
+            <a:r>
+              <a:rPr lang="en-US" dirty="0"/>
+              <a:t>	</a:t>
+            </a:r>
+            <a:br>
+              <a:rPr lang="en-US" dirty="0"/>
+            </a:br>
+            <a:endParaRPr lang="en-IN" dirty="0"/>
+          </a:p>
+        </p:txBody>
+      </p:sp>
+    </p:spTree>
+    <p:extLst>
+      <p:ext uri="{BB962C8B-B14F-4D97-AF65-F5344CB8AC3E}">
+        <p14:creationId xmlns:p14="http://schemas.microsoft.com/office/powerpoint/2010/main" val="1261037025"/>
+      </p:ext>
+    </p:extLst>
+  </p:cSld>
+  <p:clrMapOvr>
+    <a:masterClrMapping/>
+  </p:clrMapOvr>
+</p:sld>
+</file>
+
+<file path=ppt/slides/slide3.xml><?xml version="1.0" encoding="utf-8"?>
+<p:sld xmlns:a="http://schemas.openxmlformats.org/drawingml/2006/main" xmlns:r="http://schemas.openxmlformats.org/officeDocument/2006/relationships" xmlns:p="http://schemas.openxmlformats.org/presentationml/2006/main">
+  <p:cSld>
+    <p:spTree>
+      <p:nvGrpSpPr>
+        <p:cNvPr id="1" name=""/>
+        <p:cNvGrpSpPr/>
+        <p:nvPr/>
+      </p:nvGrpSpPr>
+      <p:grpSpPr>
+        <a:xfrm>
+          <a:off x="0" y="0"/>
+          <a:ext cx="0" cy="0"/>
+          <a:chOff x="0" y="0"/>
+          <a:chExt cx="0" cy="0"/>
+        </a:xfrm>
+      </p:grpSpPr>
+      <p:sp>
+        <p:nvSpPr>
+          <p:cNvPr id="2" name="Title 1">
+            <a:extLst>
+              <a:ext uri="{FF2B5EF4-FFF2-40B4-BE49-F238E27FC236}">
+                <a16:creationId xmlns:a16="http://schemas.microsoft.com/office/drawing/2014/main" id="{548924BA-0167-0994-A5BA-73A84A7AA9FE}"/>
+              </a:ext>
+            </a:extLst>
+          </p:cNvPr>
+          <p:cNvSpPr>
+            <a:spLocks noGrp="1"/>
+          </p:cNvSpPr>
+          <p:nvPr>
+            <p:ph type="title"/>
+          </p:nvPr>
+        </p:nvSpPr>
+        <p:spPr/>
+        <p:txBody>
+          <a:bodyPr/>
+          <a:lstStyle/>
+          <a:p>
+            <a:r>
+              <a:rPr lang="en-US" dirty="0"/>
+              <a:t>d</a:t>
+            </a:r>
+          </a:p>
+        </p:txBody>
+      </p:sp>
+      <p:sp>
+        <p:nvSpPr>
+          <p:cNvPr id="3" name="Content Placeholder 2">
+            <a:extLst>
+              <a:ext uri="{FF2B5EF4-FFF2-40B4-BE49-F238E27FC236}">
+                <a16:creationId xmlns:a16="http://schemas.microsoft.com/office/drawing/2014/main" id="{517A4DED-7154-D703-4CE9-346EE1CFB920}"/>
+              </a:ext>
+            </a:extLst>
+          </p:cNvPr>
+          <p:cNvSpPr>
+            <a:spLocks noGrp="1"/>
+          </p:cNvSpPr>
+          <p:nvPr>
+            <p:ph idx="1"/>
+          </p:nvPr>
+        </p:nvSpPr>
+        <p:spPr/>
+        <p:txBody>
+          <a:bodyPr/>
+          <a:lstStyle/>
+          <a:p>
+            <a:r>
+              <a:rPr lang="en-US"/>
+              <a:t>dddddd</a:t>
+            </a:r>
+          </a:p>
+        </p:txBody>
+      </p:sp>
+    </p:spTree>
+    <p:extLst>
+      <p:ext uri="{BB962C8B-B14F-4D97-AF65-F5344CB8AC3E}">
+        <p14:creationId xmlns:p14="http://schemas.microsoft.com/office/powerpoint/2010/main" val="409281477"/>
+      </p:ext>
+    </p:extLst>
+  </p:cSld>
+  <p:clrMapOvr>
+    <a:masterClrMapping/>
+  </p:clrMapOvr>
+</p:sld>
+</file>
+
+<file path=ppt/slides/slide30.xml><?xml version="1.0" encoding="utf-8"?>
+<p:sld xmlns:a="http://schemas.openxmlformats.org/drawingml/2006/main" xmlns:r="http://schemas.openxmlformats.org/officeDocument/2006/relationships" xmlns:p="http://schemas.openxmlformats.org/presentationml/2006/main">
+  <p:cSld>
+    <p:spTree>
+      <p:nvGrpSpPr>
+        <p:cNvPr id="1" name=""/>
+        <p:cNvGrpSpPr/>
+        <p:nvPr/>
+      </p:nvGrpSpPr>
+      <p:grpSpPr>
+        <a:xfrm>
+          <a:off x="0" y="0"/>
+          <a:ext cx="0" cy="0"/>
+          <a:chOff x="0" y="0"/>
+          <a:chExt cx="0" cy="0"/>
+        </a:xfrm>
+      </p:grpSpPr>
+      <p:sp>
+        <p:nvSpPr>
+          <p:cNvPr id="2" name="Title 1"/>
+          <p:cNvSpPr>
+            <a:spLocks noGrp="1"/>
+          </p:cNvSpPr>
+          <p:nvPr>
+            <p:ph type="title"/>
+          </p:nvPr>
+        </p:nvSpPr>
+        <p:spPr/>
+        <p:txBody>
+          <a:bodyPr>
+            <a:normAutofit fontScale="90000"/>
+          </a:bodyPr>
+          <a:lstStyle/>
+          <a:p>
+            <a:br>
+              <a:rPr lang="en-IN" dirty="0"/>
+            </a:br>
+            <a:r>
+              <a:rPr lang="en-US" dirty="0"/>
+              <a:t> </a:t>
+            </a:r>
+            <a:br>
+              <a:rPr lang="en-US" dirty="0"/>
+            </a:br>
+            <a:br>
+              <a:rPr lang="en-US" dirty="0"/>
+            </a:br>
+            <a:br>
+              <a:rPr lang="en-US" dirty="0"/>
+            </a:br>
+            <a:r>
+              <a:rPr lang="en-IN" b="1" dirty="0"/>
+              <a:t>UNIT V - UNDECIDABILITY </a:t>
+            </a:r>
+            <a:r>
+              <a:rPr lang="en-IN" dirty="0"/>
+              <a:t>	</a:t>
+            </a:r>
+            <a:br>
+              <a:rPr lang="en-IN" dirty="0"/>
+            </a:br>
+            <a:r>
+              <a:rPr lang="en-US" dirty="0"/>
+              <a:t>	</a:t>
+            </a:r>
+            <a:br>
+              <a:rPr lang="en-US" dirty="0"/>
+            </a:br>
+            <a:r>
+              <a:rPr lang="en-US" dirty="0"/>
+              <a:t>	</a:t>
+            </a:r>
+            <a:br>
+              <a:rPr lang="en-US" dirty="0"/>
+            </a:br>
+            <a:r>
+              <a:rPr lang="en-US" dirty="0"/>
+              <a:t>	</a:t>
+            </a:r>
+            <a:br>
+              <a:rPr lang="en-US" dirty="0"/>
+            </a:br>
+            <a:br>
+              <a:rPr lang="en-IN" dirty="0"/>
+            </a:br>
+            <a:r>
+              <a:rPr lang="en-IN" dirty="0"/>
+              <a:t> </a:t>
+            </a:r>
+          </a:p>
+        </p:txBody>
+      </p:sp>
+      <p:sp>
+        <p:nvSpPr>
+          <p:cNvPr id="3" name="Content Placeholder 2"/>
+          <p:cNvSpPr>
+            <a:spLocks noGrp="1"/>
+          </p:cNvSpPr>
+          <p:nvPr>
+            <p:ph idx="1"/>
+          </p:nvPr>
+        </p:nvSpPr>
+        <p:spPr/>
+        <p:txBody>
+          <a:bodyPr>
+            <a:normAutofit fontScale="85000" lnSpcReduction="20000"/>
+          </a:bodyPr>
+          <a:lstStyle/>
+          <a:p>
+            <a:r>
+              <a:rPr lang="en-IN" dirty="0"/>
+              <a:t>1. </a:t>
+            </a:r>
+            <a:r>
+              <a:rPr lang="en-US" dirty="0"/>
+              <a:t>A Language that is Not Recursively Enumerable 	</a:t>
+            </a:r>
+          </a:p>
+          <a:p>
+            <a:pPr marL="0" indent="0">
+              <a:buNone/>
+            </a:pPr>
+            <a:r>
+              <a:rPr lang="en-IN" dirty="0"/>
+              <a:t>	</a:t>
+            </a:r>
+          </a:p>
+          <a:p>
+            <a:pPr marL="0" indent="0">
+              <a:buNone/>
+            </a:pPr>
+            <a:r>
+              <a:rPr lang="en-IN" dirty="0"/>
+              <a:t>2. Post's Correspondence Problem (PCP) 	</a:t>
+            </a:r>
+          </a:p>
+          <a:p>
+            <a:pPr marL="0" indent="0">
+              <a:buNone/>
+            </a:pPr>
+            <a:r>
+              <a:rPr lang="en-IN" dirty="0"/>
+              <a:t>	</a:t>
+            </a:r>
+          </a:p>
+          <a:p>
+            <a:pPr marL="0" indent="0">
+              <a:buNone/>
+            </a:pPr>
+            <a:r>
+              <a:rPr lang="en-IN" dirty="0"/>
+              <a:t>	</a:t>
+            </a:r>
+          </a:p>
+          <a:p>
+            <a:pPr marL="0" indent="0">
+              <a:buNone/>
+            </a:pPr>
+            <a:r>
+              <a:rPr lang="en-IN" dirty="0"/>
+              <a:t> 3. </a:t>
+            </a:r>
+            <a:r>
+              <a:rPr lang="en-US" dirty="0"/>
+              <a:t>Recursive and recursively enumerable languages 	</a:t>
+            </a:r>
+          </a:p>
+          <a:p>
+            <a:pPr marL="0" indent="0">
+              <a:buNone/>
+            </a:pPr>
+            <a:r>
+              <a:rPr lang="en-IN"/>
+              <a:t>4. NP completeness Problem 	</a:t>
+            </a:r>
+          </a:p>
+          <a:p>
+            <a:pPr marL="0" indent="0">
+              <a:buNone/>
+            </a:pPr>
+            <a:r>
+              <a:rPr lang="en-IN" dirty="0"/>
+              <a:t>	</a:t>
+            </a:r>
+          </a:p>
+          <a:p>
+            <a:pPr marL="0" indent="0">
+              <a:buNone/>
+            </a:pPr>
+            <a:r>
+              <a:rPr lang="en-IN" dirty="0"/>
+              <a:t>	</a:t>
+            </a:r>
+          </a:p>
+          <a:p>
+            <a:pPr marL="0" indent="0">
+              <a:buNone/>
+            </a:pPr>
+            <a:r>
+              <a:rPr lang="en-US" dirty="0"/>
+              <a:t>	</a:t>
+            </a:r>
+            <a:br>
+              <a:rPr lang="en-US" dirty="0"/>
+            </a:br>
+            <a:endParaRPr lang="en-IN" dirty="0"/>
+          </a:p>
+        </p:txBody>
+      </p:sp>
+    </p:spTree>
+    <p:extLst>
+      <p:ext uri="{BB962C8B-B14F-4D97-AF65-F5344CB8AC3E}">
+        <p14:creationId xmlns:p14="http://schemas.microsoft.com/office/powerpoint/2010/main" val="2193535811"/>
+      </p:ext>
+    </p:extLst>
+  </p:cSld>
+  <p:clrMapOvr>
+    <a:masterClrMapping/>
+  </p:clrMapOvr>
+</p:sld>
+</file>
+
+<file path=ppt/slides/slide31.xml><?xml version="1.0" encoding="utf-8"?>
+<p:sld xmlns:a="http://schemas.openxmlformats.org/drawingml/2006/main" xmlns:r="http://schemas.openxmlformats.org/officeDocument/2006/relationships" xmlns:p="http://schemas.openxmlformats.org/presentationml/2006/main">
+  <p:cSld>
+    <p:spTree>
+      <p:nvGrpSpPr>
+        <p:cNvPr id="1" name=""/>
+        <p:cNvGrpSpPr/>
+        <p:nvPr/>
+      </p:nvGrpSpPr>
+      <p:grpSpPr>
+        <a:xfrm>
+          <a:off x="0" y="0"/>
+          <a:ext cx="0" cy="0"/>
+          <a:chOff x="0" y="0"/>
+          <a:chExt cx="0" cy="0"/>
+        </a:xfrm>
+      </p:grpSpPr>
+    </p:spTree>
+    <p:extLst>
+      <p:ext uri="{BB962C8B-B14F-4D97-AF65-F5344CB8AC3E}">
+        <p14:creationId xmlns:p14="http://schemas.microsoft.com/office/powerpoint/2010/main" val="3487655087"/>
+      </p:ext>
+    </p:extLst>
+  </p:cSld>
+  <p:clrMapOvr>
+    <a:masterClrMapping/>
+  </p:clrMapOvr>
+</p:sld>
+</file>
+
+<file path=ppt/slides/slide32.xml><?xml version="1.0" encoding="utf-8"?>
+<p:sld xmlns:a="http://schemas.openxmlformats.org/drawingml/2006/main" xmlns:r="http://schemas.openxmlformats.org/officeDocument/2006/relationships" xmlns:p="http://schemas.openxmlformats.org/presentationml/2006/main">
+  <p:cSld>
+    <p:spTree>
+      <p:nvGrpSpPr>
+        <p:cNvPr id="1" name=""/>
+        <p:cNvGrpSpPr/>
+        <p:nvPr/>
+      </p:nvGrpSpPr>
+      <p:grpSpPr>
+        <a:xfrm>
+          <a:off x="0" y="0"/>
+          <a:ext cx="0" cy="0"/>
+          <a:chOff x="0" y="0"/>
+          <a:chExt cx="0" cy="0"/>
+        </a:xfrm>
+      </p:grpSpPr>
+      <p:sp>
+        <p:nvSpPr>
+          <p:cNvPr id="2" name="Title 1"/>
+          <p:cNvSpPr>
+            <a:spLocks noGrp="1"/>
+          </p:cNvSpPr>
+          <p:nvPr>
+            <p:ph type="ctrTitle"/>
+          </p:nvPr>
+        </p:nvSpPr>
+        <p:spPr/>
+        <p:txBody>
+          <a:bodyPr/>
+          <a:lstStyle/>
+          <a:p>
+            <a:endParaRPr lang="en-IN"/>
+          </a:p>
+        </p:txBody>
+      </p:sp>
+      <p:sp>
+        <p:nvSpPr>
+          <p:cNvPr id="3" name="Subtitle 2"/>
+          <p:cNvSpPr>
+            <a:spLocks noGrp="1"/>
+          </p:cNvSpPr>
+          <p:nvPr>
+            <p:ph type="subTitle" idx="1"/>
+          </p:nvPr>
+        </p:nvSpPr>
+        <p:spPr/>
+        <p:txBody>
+          <a:bodyPr/>
+          <a:lstStyle/>
+          <a:p>
+            <a:endParaRPr lang="en-IN"/>
+          </a:p>
+        </p:txBody>
+      </p:sp>
+    </p:spTree>
+    <p:extLst>
+      <p:ext uri="{BB962C8B-B14F-4D97-AF65-F5344CB8AC3E}">
+        <p14:creationId xmlns:p14="http://schemas.microsoft.com/office/powerpoint/2010/main" val="2406563609"/>
+      </p:ext>
+    </p:extLst>
+  </p:cSld>
+  <p:clrMapOvr>
+    <a:masterClrMapping/>
+  </p:clrMapOvr>
+</p:sld>
+</file>
+
+<file path=ppt/slides/slide33.xml><?xml version="1.0" encoding="utf-8"?>
+<p:sld xmlns:a="http://schemas.openxmlformats.org/drawingml/2006/main" xmlns:r="http://schemas.openxmlformats.org/officeDocument/2006/relationships" xmlns:p="http://schemas.openxmlformats.org/presentationml/2006/main">
+  <p:cSld>
+    <p:spTree>
+      <p:nvGrpSpPr>
+        <p:cNvPr id="1" name=""/>
+        <p:cNvGrpSpPr/>
+        <p:nvPr/>
+      </p:nvGrpSpPr>
+      <p:grpSpPr>
+        <a:xfrm>
+          <a:off x="0" y="0"/>
+          <a:ext cx="0" cy="0"/>
+          <a:chOff x="0" y="0"/>
+          <a:chExt cx="0" cy="0"/>
+        </a:xfrm>
+      </p:grpSpPr>
+    </p:spTree>
+    <p:extLst>
+      <p:ext uri="{BB962C8B-B14F-4D97-AF65-F5344CB8AC3E}">
+        <p14:creationId xmlns:p14="http://schemas.microsoft.com/office/powerpoint/2010/main" val="2489812076"/>
+      </p:ext>
+    </p:extLst>
+  </p:cSld>
+  <p:clrMapOvr>
+    <a:masterClrMapping/>
+  </p:clrMapOvr>
+</p:sld>
+</file>
+
+<file path=ppt/slides/slide34.xml><?xml version="1.0" encoding="utf-8"?>
+<p:sld xmlns:a="http://schemas.openxmlformats.org/drawingml/2006/main" xmlns:r="http://schemas.openxmlformats.org/officeDocument/2006/relationships" xmlns:p="http://schemas.openxmlformats.org/presentationml/2006/main">
+  <p:cSld>
+    <p:spTree>
+      <p:nvGrpSpPr>
+        <p:cNvPr id="1" name=""/>
+        <p:cNvGrpSpPr/>
+        <p:nvPr/>
+      </p:nvGrpSpPr>
+      <p:grpSpPr>
+        <a:xfrm>
+          <a:off x="0" y="0"/>
+          <a:ext cx="0" cy="0"/>
+          <a:chOff x="0" y="0"/>
+          <a:chExt cx="0" cy="0"/>
+        </a:xfrm>
+      </p:grpSpPr>
+    </p:spTree>
+    <p:extLst>
+      <p:ext uri="{BB962C8B-B14F-4D97-AF65-F5344CB8AC3E}">
+        <p14:creationId xmlns:p14="http://schemas.microsoft.com/office/powerpoint/2010/main" val="704261178"/>
+      </p:ext>
+    </p:extLst>
+  </p:cSld>
+  <p:clrMapOvr>
+    <a:masterClrMapping/>
+  </p:clrMapOvr>
+</p:sld>
+</file>
+
+<file path=ppt/slides/slide4.xml><?xml version="1.0" encoding="utf-8"?>
+<p:sld xmlns:a="http://schemas.openxmlformats.org/drawingml/2006/main" xmlns:r="http://schemas.openxmlformats.org/officeDocument/2006/relationships" xmlns:p="http://schemas.openxmlformats.org/presentationml/2006/main">
+  <p:cSld>
+    <p:spTree>
+      <p:nvGrpSpPr>
+        <p:cNvPr id="1" name=""/>
+        <p:cNvGrpSpPr/>
+        <p:nvPr/>
+      </p:nvGrpSpPr>
+      <p:grpSpPr>
+        <a:xfrm>
+          <a:off x="0" y="0"/>
+          <a:ext cx="0" cy="0"/>
+          <a:chOff x="0" y="0"/>
+          <a:chExt cx="0" cy="0"/>
+        </a:xfrm>
+      </p:grpSpPr>
+      <p:sp>
+        <p:nvSpPr>
+          <p:cNvPr id="2" name="Title 1">
+            <a:extLst>
+              <a:ext uri="{FF2B5EF4-FFF2-40B4-BE49-F238E27FC236}">
+                <a16:creationId xmlns:a16="http://schemas.microsoft.com/office/drawing/2014/main" id="{FA2EFF74-16DF-5164-92B6-AED46E712D1C}"/>
+              </a:ext>
+            </a:extLst>
+          </p:cNvPr>
+          <p:cNvSpPr>
+            <a:spLocks noGrp="1"/>
+          </p:cNvSpPr>
+          <p:nvPr>
+            <p:ph type="title"/>
+          </p:nvPr>
+        </p:nvSpPr>
+        <p:spPr/>
+        <p:txBody>
+          <a:bodyPr/>
+          <a:lstStyle/>
+          <a:p>
+            <a:endParaRPr lang="en-US"/>
+          </a:p>
+        </p:txBody>
+      </p:sp>
+      <p:sp>
+        <p:nvSpPr>
+          <p:cNvPr id="3" name="Content Placeholder 2">
+            <a:extLst>
+              <a:ext uri="{FF2B5EF4-FFF2-40B4-BE49-F238E27FC236}">
+                <a16:creationId xmlns:a16="http://schemas.microsoft.com/office/drawing/2014/main" id="{E4B16A7C-98BB-43AC-FEFB-DC74C1EE304C}"/>
+              </a:ext>
+            </a:extLst>
+          </p:cNvPr>
+          <p:cNvSpPr>
+            <a:spLocks noGrp="1"/>
+          </p:cNvSpPr>
+          <p:nvPr>
+            <p:ph idx="1"/>
+          </p:nvPr>
+        </p:nvSpPr>
+        <p:spPr/>
+        <p:txBody>
+          <a:bodyPr/>
+          <a:lstStyle/>
+          <a:p>
+            <a:endParaRPr lang="en-US"/>
+          </a:p>
+        </p:txBody>
+      </p:sp>
+    </p:spTree>
+    <p:extLst>
+      <p:ext uri="{BB962C8B-B14F-4D97-AF65-F5344CB8AC3E}">
+        <p14:creationId xmlns:p14="http://schemas.microsoft.com/office/powerpoint/2010/main" val="770193669"/>
+      </p:ext>
+    </p:extLst>
+  </p:cSld>
+  <p:clrMapOvr>
+    <a:masterClrMapping/>
+  </p:clrMapOvr>
+</p:sld>
+</file>
+
+<file path=ppt/slides/slide5.xml><?xml version="1.0" encoding="utf-8"?>
 <p:sld xmlns:a="http://schemas.openxmlformats.org/drawingml/2006/main" xmlns:r="http://schemas.openxmlformats.org/officeDocument/2006/relationships" xmlns:p="http://schemas.openxmlformats.org/presentationml/2006/main">
   <p:cSld>
     <p:spTree>
@@ -4288,1431 +6007,10 @@
   <p:clrMapOvr>
     <a:masterClrMapping/>
   </p:clrMapOvr>
-  <p:timing>
-    <p:tnLst>
-      <p:par>
-        <p:cTn id="1" dur="indefinite" restart="never" nodeType="tmRoot"/>
-      </p:par>
-    </p:tnLst>
-  </p:timing>
 </p:sld>
 </file>
 
-<file path=ppt/slides/slide20.xml><?xml version="1.0" encoding="utf-8"?>
-<p:sld xmlns:a="http://schemas.openxmlformats.org/drawingml/2006/main" xmlns:r="http://schemas.openxmlformats.org/officeDocument/2006/relationships" xmlns:p="http://schemas.openxmlformats.org/presentationml/2006/main">
-  <p:cSld>
-    <p:spTree>
-      <p:nvGrpSpPr>
-        <p:cNvPr id="1" name=""/>
-        <p:cNvGrpSpPr/>
-        <p:nvPr/>
-      </p:nvGrpSpPr>
-      <p:grpSpPr>
-        <a:xfrm>
-          <a:off x="0" y="0"/>
-          <a:ext cx="0" cy="0"/>
-          <a:chOff x="0" y="0"/>
-          <a:chExt cx="0" cy="0"/>
-        </a:xfrm>
-      </p:grpSpPr>
-      <p:pic>
-        <p:nvPicPr>
-          <p:cNvPr id="20482" name="Picture 2"/>
-          <p:cNvPicPr>
-            <a:picLocks noChangeAspect="1" noChangeArrowheads="1"/>
-          </p:cNvPicPr>
-          <p:nvPr/>
-        </p:nvPicPr>
-        <p:blipFill>
-          <a:blip r:embed="rId2">
-            <a:extLst>
-              <a:ext uri="{28A0092B-C50C-407E-A947-70E740481C1C}">
-                <a14:useLocalDpi xmlns:a14="http://schemas.microsoft.com/office/drawing/2010/main" val="0"/>
-              </a:ext>
-            </a:extLst>
-          </a:blip>
-          <a:srcRect/>
-          <a:stretch>
-            <a:fillRect/>
-          </a:stretch>
-        </p:blipFill>
-        <p:spPr bwMode="auto">
-          <a:xfrm>
-            <a:off x="504825" y="390525"/>
-            <a:ext cx="8134350" cy="6076950"/>
-          </a:xfrm>
-          <a:prstGeom prst="rect">
-            <a:avLst/>
-          </a:prstGeom>
-          <a:noFill/>
-          <a:ln>
-            <a:noFill/>
-          </a:ln>
-          <a:effectLst/>
-          <a:extLst>
-            <a:ext uri="{909E8E84-426E-40DD-AFC4-6F175D3DCCD1}">
-              <a14:hiddenFill xmlns:a14="http://schemas.microsoft.com/office/drawing/2010/main">
-                <a:solidFill>
-                  <a:schemeClr val="accent1"/>
-                </a:solidFill>
-              </a14:hiddenFill>
-            </a:ext>
-            <a:ext uri="{91240B29-F687-4F45-9708-019B960494DF}">
-              <a14:hiddenLine xmlns:a14="http://schemas.microsoft.com/office/drawing/2010/main" w="9525">
-                <a:solidFill>
-                  <a:schemeClr val="tx1"/>
-                </a:solidFill>
-                <a:miter lim="800000"/>
-                <a:headEnd/>
-                <a:tailEnd/>
-              </a14:hiddenLine>
-            </a:ext>
-            <a:ext uri="{AF507438-7753-43E0-B8FC-AC1667EBCBE1}">
-              <a14:hiddenEffects xmlns:a14="http://schemas.microsoft.com/office/drawing/2010/main">
-                <a:effectLst>
-                  <a:outerShdw dist="35921" dir="2700000" algn="ctr" rotWithShape="0">
-                    <a:schemeClr val="bg2"/>
-                  </a:outerShdw>
-                </a:effectLst>
-              </a14:hiddenEffects>
-            </a:ext>
-          </a:extLst>
-        </p:spPr>
-      </p:pic>
-    </p:spTree>
-    <p:extLst>
-      <p:ext uri="{BB962C8B-B14F-4D97-AF65-F5344CB8AC3E}">
-        <p14:creationId xmlns:p14="http://schemas.microsoft.com/office/powerpoint/2010/main" val="1500861223"/>
-      </p:ext>
-    </p:extLst>
-  </p:cSld>
-  <p:clrMapOvr>
-    <a:masterClrMapping/>
-  </p:clrMapOvr>
-  <p:timing>
-    <p:tnLst>
-      <p:par>
-        <p:cTn id="1" dur="indefinite" restart="never" nodeType="tmRoot"/>
-      </p:par>
-    </p:tnLst>
-  </p:timing>
-</p:sld>
-</file>
-
-<file path=ppt/slides/slide21.xml><?xml version="1.0" encoding="utf-8"?>
-<p:sld xmlns:a="http://schemas.openxmlformats.org/drawingml/2006/main" xmlns:r="http://schemas.openxmlformats.org/officeDocument/2006/relationships" xmlns:p="http://schemas.openxmlformats.org/presentationml/2006/main">
-  <p:cSld>
-    <p:spTree>
-      <p:nvGrpSpPr>
-        <p:cNvPr id="1" name=""/>
-        <p:cNvGrpSpPr/>
-        <p:nvPr/>
-      </p:nvGrpSpPr>
-      <p:grpSpPr>
-        <a:xfrm>
-          <a:off x="0" y="0"/>
-          <a:ext cx="0" cy="0"/>
-          <a:chOff x="0" y="0"/>
-          <a:chExt cx="0" cy="0"/>
-        </a:xfrm>
-      </p:grpSpPr>
-      <p:pic>
-        <p:nvPicPr>
-          <p:cNvPr id="21506" name="Picture 2"/>
-          <p:cNvPicPr>
-            <a:picLocks noChangeAspect="1" noChangeArrowheads="1"/>
-          </p:cNvPicPr>
-          <p:nvPr/>
-        </p:nvPicPr>
-        <p:blipFill>
-          <a:blip r:embed="rId2">
-            <a:extLst>
-              <a:ext uri="{28A0092B-C50C-407E-A947-70E740481C1C}">
-                <a14:useLocalDpi xmlns:a14="http://schemas.microsoft.com/office/drawing/2010/main" val="0"/>
-              </a:ext>
-            </a:extLst>
-          </a:blip>
-          <a:srcRect/>
-          <a:stretch>
-            <a:fillRect/>
-          </a:stretch>
-        </p:blipFill>
-        <p:spPr bwMode="auto">
-          <a:xfrm>
-            <a:off x="457200" y="433388"/>
-            <a:ext cx="8229600" cy="5991225"/>
-          </a:xfrm>
-          <a:prstGeom prst="rect">
-            <a:avLst/>
-          </a:prstGeom>
-          <a:noFill/>
-          <a:ln>
-            <a:noFill/>
-          </a:ln>
-          <a:effectLst/>
-          <a:extLst>
-            <a:ext uri="{909E8E84-426E-40DD-AFC4-6F175D3DCCD1}">
-              <a14:hiddenFill xmlns:a14="http://schemas.microsoft.com/office/drawing/2010/main">
-                <a:solidFill>
-                  <a:schemeClr val="accent1"/>
-                </a:solidFill>
-              </a14:hiddenFill>
-            </a:ext>
-            <a:ext uri="{91240B29-F687-4F45-9708-019B960494DF}">
-              <a14:hiddenLine xmlns:a14="http://schemas.microsoft.com/office/drawing/2010/main" w="9525">
-                <a:solidFill>
-                  <a:schemeClr val="tx1"/>
-                </a:solidFill>
-                <a:miter lim="800000"/>
-                <a:headEnd/>
-                <a:tailEnd/>
-              </a14:hiddenLine>
-            </a:ext>
-            <a:ext uri="{AF507438-7753-43E0-B8FC-AC1667EBCBE1}">
-              <a14:hiddenEffects xmlns:a14="http://schemas.microsoft.com/office/drawing/2010/main">
-                <a:effectLst>
-                  <a:outerShdw dist="35921" dir="2700000" algn="ctr" rotWithShape="0">
-                    <a:schemeClr val="bg2"/>
-                  </a:outerShdw>
-                </a:effectLst>
-              </a14:hiddenEffects>
-            </a:ext>
-          </a:extLst>
-        </p:spPr>
-      </p:pic>
-    </p:spTree>
-    <p:extLst>
-      <p:ext uri="{BB962C8B-B14F-4D97-AF65-F5344CB8AC3E}">
-        <p14:creationId xmlns:p14="http://schemas.microsoft.com/office/powerpoint/2010/main" val="3240934531"/>
-      </p:ext>
-    </p:extLst>
-  </p:cSld>
-  <p:clrMapOvr>
-    <a:masterClrMapping/>
-  </p:clrMapOvr>
-  <p:timing>
-    <p:tnLst>
-      <p:par>
-        <p:cTn id="1" dur="indefinite" restart="never" nodeType="tmRoot"/>
-      </p:par>
-    </p:tnLst>
-  </p:timing>
-</p:sld>
-</file>
-
-<file path=ppt/slides/slide22.xml><?xml version="1.0" encoding="utf-8"?>
-<p:sld xmlns:a="http://schemas.openxmlformats.org/drawingml/2006/main" xmlns:r="http://schemas.openxmlformats.org/officeDocument/2006/relationships" xmlns:p="http://schemas.openxmlformats.org/presentationml/2006/main">
-  <p:cSld>
-    <p:spTree>
-      <p:nvGrpSpPr>
-        <p:cNvPr id="1" name=""/>
-        <p:cNvGrpSpPr/>
-        <p:nvPr/>
-      </p:nvGrpSpPr>
-      <p:grpSpPr>
-        <a:xfrm>
-          <a:off x="0" y="0"/>
-          <a:ext cx="0" cy="0"/>
-          <a:chOff x="0" y="0"/>
-          <a:chExt cx="0" cy="0"/>
-        </a:xfrm>
-      </p:grpSpPr>
-    </p:spTree>
-    <p:extLst>
-      <p:ext uri="{BB962C8B-B14F-4D97-AF65-F5344CB8AC3E}">
-        <p14:creationId xmlns:p14="http://schemas.microsoft.com/office/powerpoint/2010/main" val="2139557488"/>
-      </p:ext>
-    </p:extLst>
-  </p:cSld>
-  <p:clrMapOvr>
-    <a:masterClrMapping/>
-  </p:clrMapOvr>
-  <p:timing>
-    <p:tnLst>
-      <p:par>
-        <p:cTn id="1" dur="indefinite" restart="never" nodeType="tmRoot"/>
-      </p:par>
-    </p:tnLst>
-  </p:timing>
-</p:sld>
-</file>
-
-<file path=ppt/slides/slide23.xml><?xml version="1.0" encoding="utf-8"?>
-<p:sld xmlns:a="http://schemas.openxmlformats.org/drawingml/2006/main" xmlns:r="http://schemas.openxmlformats.org/officeDocument/2006/relationships" xmlns:p="http://schemas.openxmlformats.org/presentationml/2006/main">
-  <p:cSld>
-    <p:spTree>
-      <p:nvGrpSpPr>
-        <p:cNvPr id="1" name=""/>
-        <p:cNvGrpSpPr/>
-        <p:nvPr/>
-      </p:nvGrpSpPr>
-      <p:grpSpPr>
-        <a:xfrm>
-          <a:off x="0" y="0"/>
-          <a:ext cx="0" cy="0"/>
-          <a:chOff x="0" y="0"/>
-          <a:chExt cx="0" cy="0"/>
-        </a:xfrm>
-      </p:grpSpPr>
-      <p:sp>
-        <p:nvSpPr>
-          <p:cNvPr id="2" name="Title 1"/>
-          <p:cNvSpPr>
-            <a:spLocks noGrp="1"/>
-          </p:cNvSpPr>
-          <p:nvPr>
-            <p:ph type="ctrTitle"/>
-          </p:nvPr>
-        </p:nvSpPr>
-        <p:spPr/>
-        <p:txBody>
-          <a:bodyPr>
-            <a:normAutofit fontScale="90000"/>
-          </a:bodyPr>
-          <a:lstStyle/>
-          <a:p>
-            <a:r>
-              <a:rPr lang="en-IN" dirty="0"/>
-              <a:t/>
-            </a:r>
-            <a:br>
-              <a:rPr lang="en-IN" dirty="0"/>
-            </a:br>
-            <a:r>
-              <a:rPr lang="en-US" dirty="0"/>
-              <a:t> </a:t>
-            </a:r>
-            <a:r>
-              <a:rPr lang="en-US" b="1" dirty="0"/>
-              <a:t>UNIT I - AUTOMATA AND REGULAR EXPRESSIONS </a:t>
-            </a:r>
-            <a:r>
-              <a:rPr lang="en-US" dirty="0"/>
-              <a:t>	</a:t>
-            </a:r>
-            <a:br>
-              <a:rPr lang="en-US" dirty="0"/>
-            </a:br>
-            <a:endParaRPr lang="en-IN" dirty="0"/>
-          </a:p>
-        </p:txBody>
-      </p:sp>
-      <p:sp>
-        <p:nvSpPr>
-          <p:cNvPr id="3" name="Subtitle 2"/>
-          <p:cNvSpPr>
-            <a:spLocks noGrp="1"/>
-          </p:cNvSpPr>
-          <p:nvPr>
-            <p:ph type="subTitle" idx="1"/>
-          </p:nvPr>
-        </p:nvSpPr>
-        <p:spPr>
-          <a:xfrm>
-            <a:off x="467544" y="3645024"/>
-            <a:ext cx="8424936" cy="2952328"/>
-          </a:xfrm>
-        </p:spPr>
-        <p:txBody>
-          <a:bodyPr>
-            <a:normAutofit fontScale="92500" lnSpcReduction="10000"/>
-          </a:bodyPr>
-          <a:lstStyle/>
-          <a:p>
-            <a:pPr algn="l"/>
-            <a:r>
-              <a:rPr lang="en-US" dirty="0" smtClean="0">
-                <a:solidFill>
-                  <a:schemeClr val="tx1"/>
-                </a:solidFill>
-              </a:rPr>
-              <a:t>1. </a:t>
-            </a:r>
-            <a:r>
-              <a:rPr lang="en-IN" dirty="0" smtClean="0">
-                <a:solidFill>
-                  <a:schemeClr val="tx1"/>
-                </a:solidFill>
-              </a:rPr>
-              <a:t>formal </a:t>
-            </a:r>
-            <a:r>
-              <a:rPr lang="en-IN" dirty="0">
-                <a:solidFill>
-                  <a:schemeClr val="tx1"/>
-                </a:solidFill>
-              </a:rPr>
-              <a:t>proof </a:t>
-            </a:r>
-            <a:endParaRPr lang="en-IN" dirty="0" smtClean="0">
-              <a:solidFill>
-                <a:schemeClr val="tx1"/>
-              </a:solidFill>
-            </a:endParaRPr>
-          </a:p>
-          <a:p>
-            <a:pPr algn="l"/>
-            <a:r>
-              <a:rPr lang="en-IN" dirty="0" smtClean="0">
-                <a:solidFill>
-                  <a:schemeClr val="tx1"/>
-                </a:solidFill>
-              </a:rPr>
-              <a:t>2.Deterministic </a:t>
-            </a:r>
-            <a:r>
-              <a:rPr lang="en-IN" dirty="0">
-                <a:solidFill>
-                  <a:schemeClr val="tx1"/>
-                </a:solidFill>
-              </a:rPr>
-              <a:t>Finite Automata (DFA) </a:t>
-            </a:r>
-            <a:r>
-              <a:rPr lang="en-IN" dirty="0" smtClean="0">
-                <a:solidFill>
-                  <a:schemeClr val="tx1"/>
-                </a:solidFill>
-              </a:rPr>
-              <a:t> - </a:t>
-            </a:r>
-            <a:r>
-              <a:rPr lang="en-IN" dirty="0">
-                <a:solidFill>
-                  <a:schemeClr val="tx1"/>
-                </a:solidFill>
-              </a:rPr>
-              <a:t>	</a:t>
-            </a:r>
-            <a:r>
-              <a:rPr lang="en-IN" dirty="0" smtClean="0">
-                <a:solidFill>
-                  <a:schemeClr val="tx1"/>
-                </a:solidFill>
-              </a:rPr>
-              <a:t>MINIMIZED D</a:t>
-            </a:r>
-            <a:endParaRPr lang="en-IN" dirty="0">
-              <a:solidFill>
-                <a:schemeClr val="tx1"/>
-              </a:solidFill>
-            </a:endParaRPr>
-          </a:p>
-          <a:p>
-            <a:pPr algn="l"/>
-            <a:r>
-              <a:rPr lang="en-IN" dirty="0" smtClean="0">
-                <a:solidFill>
-                  <a:schemeClr val="tx1"/>
-                </a:solidFill>
-              </a:rPr>
-              <a:t>3.Non-deterministic </a:t>
-            </a:r>
-            <a:r>
-              <a:rPr lang="en-IN" dirty="0">
-                <a:solidFill>
-                  <a:schemeClr val="tx1"/>
-                </a:solidFill>
-              </a:rPr>
-              <a:t>Finite Automata (NFA) </a:t>
-            </a:r>
-            <a:r>
-              <a:rPr lang="en-IN" dirty="0" smtClean="0">
-                <a:solidFill>
-                  <a:schemeClr val="tx1"/>
-                </a:solidFill>
-              </a:rPr>
-              <a:t>-</a:t>
-            </a:r>
-            <a:r>
-              <a:rPr lang="en-IN" dirty="0">
-                <a:solidFill>
-                  <a:schemeClr val="tx1"/>
-                </a:solidFill>
-              </a:rPr>
-              <a:t> convert NFA TO DFA </a:t>
-            </a:r>
-            <a:r>
-              <a:rPr lang="en-IN" dirty="0">
-                <a:solidFill>
-                  <a:schemeClr val="tx1"/>
-                </a:solidFill>
-              </a:rPr>
-              <a:t>	</a:t>
-            </a:r>
-            <a:endParaRPr lang="en-IN" dirty="0" smtClean="0">
-              <a:solidFill>
-                <a:schemeClr val="tx1"/>
-              </a:solidFill>
-            </a:endParaRPr>
-          </a:p>
-          <a:p>
-            <a:pPr algn="l"/>
-            <a:r>
-              <a:rPr lang="en-IN" dirty="0" smtClean="0">
-                <a:solidFill>
-                  <a:schemeClr val="tx1"/>
-                </a:solidFill>
-              </a:rPr>
-              <a:t>4. </a:t>
-            </a:r>
-            <a:r>
-              <a:rPr lang="en-US" dirty="0" smtClean="0">
-                <a:solidFill>
-                  <a:schemeClr val="tx1"/>
-                </a:solidFill>
-              </a:rPr>
-              <a:t>NFA WITH EPCILON  TO with out </a:t>
-            </a:r>
-            <a:r>
-              <a:rPr lang="en-US" dirty="0" err="1" smtClean="0">
-                <a:solidFill>
-                  <a:schemeClr val="tx1"/>
-                </a:solidFill>
-              </a:rPr>
-              <a:t>epcilon</a:t>
-            </a:r>
-            <a:endParaRPr lang="en-US" dirty="0">
-              <a:solidFill>
-                <a:schemeClr val="tx1"/>
-              </a:solidFill>
-            </a:endParaRPr>
-          </a:p>
-        </p:txBody>
-      </p:sp>
-    </p:spTree>
-    <p:extLst>
-      <p:ext uri="{BB962C8B-B14F-4D97-AF65-F5344CB8AC3E}">
-        <p14:creationId xmlns:p14="http://schemas.microsoft.com/office/powerpoint/2010/main" val="3512797855"/>
-      </p:ext>
-    </p:extLst>
-  </p:cSld>
-  <p:clrMapOvr>
-    <a:masterClrMapping/>
-  </p:clrMapOvr>
-</p:sld>
-</file>
-
-<file path=ppt/slides/slide24.xml><?xml version="1.0" encoding="utf-8"?>
-<p:sld xmlns:a="http://schemas.openxmlformats.org/drawingml/2006/main" xmlns:r="http://schemas.openxmlformats.org/officeDocument/2006/relationships" xmlns:p="http://schemas.openxmlformats.org/presentationml/2006/main">
-  <p:cSld>
-    <p:spTree>
-      <p:nvGrpSpPr>
-        <p:cNvPr id="1" name=""/>
-        <p:cNvGrpSpPr/>
-        <p:nvPr/>
-      </p:nvGrpSpPr>
-      <p:grpSpPr>
-        <a:xfrm>
-          <a:off x="0" y="0"/>
-          <a:ext cx="0" cy="0"/>
-          <a:chOff x="0" y="0"/>
-          <a:chExt cx="0" cy="0"/>
-        </a:xfrm>
-      </p:grpSpPr>
-      <p:sp>
-        <p:nvSpPr>
-          <p:cNvPr id="2" name="Title 1"/>
-          <p:cNvSpPr>
-            <a:spLocks noGrp="1"/>
-          </p:cNvSpPr>
-          <p:nvPr>
-            <p:ph type="title"/>
-          </p:nvPr>
-        </p:nvSpPr>
-        <p:spPr/>
-        <p:txBody>
-          <a:bodyPr>
-            <a:normAutofit fontScale="90000"/>
-          </a:bodyPr>
-          <a:lstStyle/>
-          <a:p>
-            <a:r>
-              <a:rPr lang="en-IN" dirty="0"/>
-              <a:t/>
-            </a:r>
-            <a:br>
-              <a:rPr lang="en-IN" dirty="0"/>
-            </a:br>
-            <a:r>
-              <a:rPr lang="en-US" dirty="0"/>
-              <a:t> </a:t>
-            </a:r>
-            <a:r>
-              <a:rPr lang="en-US" b="1" dirty="0"/>
-              <a:t>UNIT II - REGULAR EXPRESSIONS AND LANGUAGES </a:t>
-            </a:r>
-            <a:r>
-              <a:rPr lang="en-US" dirty="0"/>
-              <a:t>	</a:t>
-            </a:r>
-            <a:br>
-              <a:rPr lang="en-US" dirty="0"/>
-            </a:br>
-            <a:r>
-              <a:rPr lang="en-IN" dirty="0"/>
-              <a:t/>
-            </a:r>
-            <a:br>
-              <a:rPr lang="en-IN" dirty="0"/>
-            </a:br>
-            <a:r>
-              <a:rPr lang="en-IN" dirty="0"/>
-              <a:t> </a:t>
-            </a:r>
-            <a:endParaRPr lang="en-IN" dirty="0"/>
-          </a:p>
-        </p:txBody>
-      </p:sp>
-      <p:sp>
-        <p:nvSpPr>
-          <p:cNvPr id="3" name="Content Placeholder 2"/>
-          <p:cNvSpPr>
-            <a:spLocks noGrp="1"/>
-          </p:cNvSpPr>
-          <p:nvPr>
-            <p:ph idx="1"/>
-          </p:nvPr>
-        </p:nvSpPr>
-        <p:spPr/>
-        <p:txBody>
-          <a:bodyPr/>
-          <a:lstStyle/>
-          <a:p>
-            <a:pPr marL="0" indent="0">
-              <a:buNone/>
-            </a:pPr>
-            <a:r>
-              <a:rPr lang="en-IN" dirty="0" smtClean="0"/>
-              <a:t>1.Regular </a:t>
-            </a:r>
-            <a:r>
-              <a:rPr lang="en-IN" dirty="0"/>
-              <a:t>Expressions 	</a:t>
-            </a:r>
-            <a:endParaRPr lang="en-IN" dirty="0" smtClean="0"/>
-          </a:p>
-          <a:p>
-            <a:pPr marL="0" indent="0">
-              <a:buNone/>
-            </a:pPr>
-            <a:r>
-              <a:rPr lang="en-IN" dirty="0" smtClean="0"/>
-              <a:t>2. Properties </a:t>
-            </a:r>
-            <a:r>
-              <a:rPr lang="en-IN" dirty="0"/>
-              <a:t>of Regular Languages 	</a:t>
-            </a:r>
-            <a:br>
-              <a:rPr lang="en-IN" dirty="0"/>
-            </a:br>
-            <a:r>
-              <a:rPr lang="en-IN" dirty="0" smtClean="0"/>
-              <a:t> 3. Pumping </a:t>
-            </a:r>
-            <a:r>
-              <a:rPr lang="en-IN" dirty="0"/>
-              <a:t>Lemma 	</a:t>
-            </a:r>
-            <a:br>
-              <a:rPr lang="en-IN" dirty="0"/>
-            </a:br>
-            <a:r>
-              <a:rPr lang="en-IN" dirty="0" smtClean="0"/>
-              <a:t>4.</a:t>
-            </a:r>
-            <a:r>
-              <a:rPr lang="en-US" dirty="0" smtClean="0"/>
-              <a:t> </a:t>
-            </a:r>
-            <a:r>
-              <a:rPr lang="en-US" dirty="0"/>
-              <a:t>Closure properties of regular languages. 	</a:t>
-            </a:r>
-            <a:br>
-              <a:rPr lang="en-US" dirty="0"/>
-            </a:br>
-            <a:endParaRPr lang="en-IN" dirty="0"/>
-          </a:p>
-        </p:txBody>
-      </p:sp>
-    </p:spTree>
-    <p:extLst>
-      <p:ext uri="{BB962C8B-B14F-4D97-AF65-F5344CB8AC3E}">
-        <p14:creationId xmlns:p14="http://schemas.microsoft.com/office/powerpoint/2010/main" val="2369417960"/>
-      </p:ext>
-    </p:extLst>
-  </p:cSld>
-  <p:clrMapOvr>
-    <a:masterClrMapping/>
-  </p:clrMapOvr>
-</p:sld>
-</file>
-
-<file path=ppt/slides/slide25.xml><?xml version="1.0" encoding="utf-8"?>
-<p:sld xmlns:a="http://schemas.openxmlformats.org/drawingml/2006/main" xmlns:r="http://schemas.openxmlformats.org/officeDocument/2006/relationships" xmlns:p="http://schemas.openxmlformats.org/presentationml/2006/main">
-  <p:cSld>
-    <p:spTree>
-      <p:nvGrpSpPr>
-        <p:cNvPr id="1" name=""/>
-        <p:cNvGrpSpPr/>
-        <p:nvPr/>
-      </p:nvGrpSpPr>
-      <p:grpSpPr>
-        <a:xfrm>
-          <a:off x="0" y="0"/>
-          <a:ext cx="0" cy="0"/>
-          <a:chOff x="0" y="0"/>
-          <a:chExt cx="0" cy="0"/>
-        </a:xfrm>
-      </p:grpSpPr>
-      <p:sp>
-        <p:nvSpPr>
-          <p:cNvPr id="2" name="Title 1"/>
-          <p:cNvSpPr>
-            <a:spLocks noGrp="1"/>
-          </p:cNvSpPr>
-          <p:nvPr>
-            <p:ph type="title"/>
-          </p:nvPr>
-        </p:nvSpPr>
-        <p:spPr/>
-        <p:txBody>
-          <a:bodyPr>
-            <a:normAutofit fontScale="90000"/>
-          </a:bodyPr>
-          <a:lstStyle/>
-          <a:p>
-            <a:r>
-              <a:rPr lang="en-IN" dirty="0"/>
-              <a:t/>
-            </a:r>
-            <a:br>
-              <a:rPr lang="en-IN" dirty="0"/>
-            </a:br>
-            <a:r>
-              <a:rPr lang="en-US" dirty="0"/>
-              <a:t> </a:t>
-            </a:r>
-            <a:r>
-              <a:rPr lang="en-US" b="1" dirty="0"/>
-              <a:t>UNIT III - CONTEXT FREE GRAMMAR AND PUSH DOWN AUTOMATA </a:t>
-            </a:r>
-            <a:r>
-              <a:rPr lang="en-US" dirty="0"/>
-              <a:t>	</a:t>
-            </a:r>
-            <a:br>
-              <a:rPr lang="en-US" dirty="0"/>
-            </a:br>
-            <a:r>
-              <a:rPr lang="en-US" dirty="0"/>
-              <a:t>	</a:t>
-            </a:r>
-            <a:br>
-              <a:rPr lang="en-US" dirty="0"/>
-            </a:br>
-            <a:r>
-              <a:rPr lang="en-IN" dirty="0"/>
-              <a:t/>
-            </a:r>
-            <a:br>
-              <a:rPr lang="en-IN" dirty="0"/>
-            </a:br>
-            <a:r>
-              <a:rPr lang="en-IN" dirty="0"/>
-              <a:t> </a:t>
-            </a:r>
-            <a:endParaRPr lang="en-IN" dirty="0"/>
-          </a:p>
-        </p:txBody>
-      </p:sp>
-      <p:sp>
-        <p:nvSpPr>
-          <p:cNvPr id="3" name="Content Placeholder 2"/>
-          <p:cNvSpPr>
-            <a:spLocks noGrp="1"/>
-          </p:cNvSpPr>
-          <p:nvPr>
-            <p:ph idx="1"/>
-          </p:nvPr>
-        </p:nvSpPr>
-        <p:spPr/>
-        <p:txBody>
-          <a:bodyPr/>
-          <a:lstStyle/>
-          <a:p>
-            <a:pPr marL="0" indent="0">
-              <a:buNone/>
-            </a:pPr>
-            <a:r>
-              <a:rPr lang="en-IN" dirty="0" smtClean="0"/>
-              <a:t>1. Context-Free </a:t>
-            </a:r>
-            <a:r>
-              <a:rPr lang="en-IN" dirty="0"/>
-              <a:t>Grammars and Languages 	</a:t>
-            </a:r>
-          </a:p>
-          <a:p>
-            <a:pPr marL="0" indent="0">
-              <a:buNone/>
-            </a:pPr>
-            <a:r>
-              <a:rPr lang="en-IN" dirty="0" smtClean="0"/>
-              <a:t>2. </a:t>
-            </a:r>
-            <a:r>
-              <a:rPr lang="en-IN" dirty="0"/>
-              <a:t>Ambiguity in grammars 	</a:t>
-            </a:r>
-          </a:p>
-          <a:p>
-            <a:pPr marL="0" indent="0">
-              <a:buNone/>
-            </a:pPr>
-            <a:r>
-              <a:rPr lang="en-IN" dirty="0" smtClean="0"/>
-              <a:t> 3. </a:t>
-            </a:r>
-            <a:r>
-              <a:rPr lang="en-IN" dirty="0"/>
-              <a:t>Push Down Automata 	</a:t>
-            </a:r>
-          </a:p>
-          <a:p>
-            <a:pPr marL="0" indent="0">
-              <a:buNone/>
-            </a:pPr>
-            <a:r>
-              <a:rPr lang="en-IN" dirty="0" smtClean="0"/>
-              <a:t>4.</a:t>
-            </a:r>
-            <a:r>
-              <a:rPr lang="en-US" dirty="0" smtClean="0"/>
-              <a:t> </a:t>
-            </a:r>
-            <a:r>
-              <a:rPr lang="en-US" dirty="0"/>
-              <a:t>Equivalence of PDA's and CFG's 	</a:t>
-            </a:r>
-          </a:p>
-          <a:p>
-            <a:pPr marL="0" indent="0">
-              <a:buNone/>
-            </a:pPr>
-            <a:r>
-              <a:rPr lang="en-IN" dirty="0" smtClean="0"/>
-              <a:t>5. Deterministic </a:t>
-            </a:r>
-            <a:r>
-              <a:rPr lang="en-IN" dirty="0"/>
-              <a:t>Pushdown Automata 	</a:t>
-            </a:r>
-          </a:p>
-          <a:p>
-            <a:pPr marL="0" indent="0">
-              <a:buNone/>
-            </a:pPr>
-            <a:r>
-              <a:rPr lang="en-US" dirty="0"/>
-              <a:t>	</a:t>
-            </a:r>
-            <a:br>
-              <a:rPr lang="en-US" dirty="0"/>
-            </a:br>
-            <a:endParaRPr lang="en-IN" dirty="0"/>
-          </a:p>
-        </p:txBody>
-      </p:sp>
-    </p:spTree>
-    <p:extLst>
-      <p:ext uri="{BB962C8B-B14F-4D97-AF65-F5344CB8AC3E}">
-        <p14:creationId xmlns:p14="http://schemas.microsoft.com/office/powerpoint/2010/main" val="3783370704"/>
-      </p:ext>
-    </p:extLst>
-  </p:cSld>
-  <p:clrMapOvr>
-    <a:masterClrMapping/>
-  </p:clrMapOvr>
-</p:sld>
-</file>
-
-<file path=ppt/slides/slide26.xml><?xml version="1.0" encoding="utf-8"?>
-<p:sld xmlns:a="http://schemas.openxmlformats.org/drawingml/2006/main" xmlns:r="http://schemas.openxmlformats.org/officeDocument/2006/relationships" xmlns:p="http://schemas.openxmlformats.org/presentationml/2006/main">
-  <p:cSld>
-    <p:spTree>
-      <p:nvGrpSpPr>
-        <p:cNvPr id="1" name=""/>
-        <p:cNvGrpSpPr/>
-        <p:nvPr/>
-      </p:nvGrpSpPr>
-      <p:grpSpPr>
-        <a:xfrm>
-          <a:off x="0" y="0"/>
-          <a:ext cx="0" cy="0"/>
-          <a:chOff x="0" y="0"/>
-          <a:chExt cx="0" cy="0"/>
-        </a:xfrm>
-      </p:grpSpPr>
-      <p:sp>
-        <p:nvSpPr>
-          <p:cNvPr id="2" name="Title 1"/>
-          <p:cNvSpPr>
-            <a:spLocks noGrp="1"/>
-          </p:cNvSpPr>
-          <p:nvPr>
-            <p:ph type="title"/>
-          </p:nvPr>
-        </p:nvSpPr>
-        <p:spPr/>
-        <p:txBody>
-          <a:bodyPr>
-            <a:normAutofit fontScale="90000"/>
-          </a:bodyPr>
-          <a:lstStyle/>
-          <a:p>
-            <a:r>
-              <a:rPr lang="en-IN" dirty="0"/>
-              <a:t/>
-            </a:r>
-            <a:br>
-              <a:rPr lang="en-IN" dirty="0"/>
-            </a:br>
-            <a:r>
-              <a:rPr lang="en-US" dirty="0"/>
-              <a:t> </a:t>
-            </a:r>
-            <a:r>
-              <a:rPr lang="en-US" dirty="0" smtClean="0"/>
-              <a:t/>
-            </a:r>
-            <a:br>
-              <a:rPr lang="en-US" dirty="0" smtClean="0"/>
-            </a:br>
-            <a:r>
-              <a:rPr lang="en-US" dirty="0"/>
-              <a:t/>
-            </a:r>
-            <a:br>
-              <a:rPr lang="en-US" dirty="0"/>
-            </a:br>
-            <a:r>
-              <a:rPr lang="en-US" dirty="0" smtClean="0"/>
-              <a:t/>
-            </a:r>
-            <a:br>
-              <a:rPr lang="en-US" dirty="0" smtClean="0"/>
-            </a:br>
-            <a:r>
-              <a:rPr lang="en-US" b="1" dirty="0" smtClean="0"/>
-              <a:t>UNIT </a:t>
-            </a:r>
-            <a:r>
-              <a:rPr lang="en-US" b="1" dirty="0"/>
-              <a:t>IV - NORMAL FORMS AND TURING MACHINES </a:t>
-            </a:r>
-            <a:r>
-              <a:rPr lang="en-US" dirty="0"/>
-              <a:t>	</a:t>
-            </a:r>
-            <a:br>
-              <a:rPr lang="en-US" dirty="0"/>
-            </a:br>
-            <a:r>
-              <a:rPr lang="en-US" dirty="0"/>
-              <a:t>	</a:t>
-            </a:r>
-            <a:br>
-              <a:rPr lang="en-US" dirty="0"/>
-            </a:br>
-            <a:r>
-              <a:rPr lang="en-US" dirty="0"/>
-              <a:t>	</a:t>
-            </a:r>
-            <a:br>
-              <a:rPr lang="en-US" dirty="0"/>
-            </a:br>
-            <a:r>
-              <a:rPr lang="en-IN" dirty="0"/>
-              <a:t/>
-            </a:r>
-            <a:br>
-              <a:rPr lang="en-IN" dirty="0"/>
-            </a:br>
-            <a:r>
-              <a:rPr lang="en-IN" dirty="0"/>
-              <a:t> </a:t>
-            </a:r>
-            <a:endParaRPr lang="en-IN" dirty="0"/>
-          </a:p>
-        </p:txBody>
-      </p:sp>
-      <p:sp>
-        <p:nvSpPr>
-          <p:cNvPr id="3" name="Content Placeholder 2"/>
-          <p:cNvSpPr>
-            <a:spLocks noGrp="1"/>
-          </p:cNvSpPr>
-          <p:nvPr>
-            <p:ph idx="1"/>
-          </p:nvPr>
-        </p:nvSpPr>
-        <p:spPr/>
-        <p:txBody>
-          <a:bodyPr>
-            <a:normAutofit lnSpcReduction="10000"/>
-          </a:bodyPr>
-          <a:lstStyle/>
-          <a:p>
-            <a:pPr marL="0" indent="0">
-              <a:buNone/>
-            </a:pPr>
-            <a:r>
-              <a:rPr lang="en-IN" dirty="0" smtClean="0"/>
-              <a:t>1. </a:t>
-            </a:r>
-            <a:r>
-              <a:rPr lang="en-IN" dirty="0"/>
-              <a:t>Chomsky Normal Form (CNF 	</a:t>
-            </a:r>
-          </a:p>
-          <a:p>
-            <a:pPr marL="0" indent="0">
-              <a:buNone/>
-            </a:pPr>
-            <a:r>
-              <a:rPr lang="en-IN" dirty="0"/>
-              <a:t>	</a:t>
-            </a:r>
-          </a:p>
-          <a:p>
-            <a:pPr marL="0" indent="0">
-              <a:buNone/>
-            </a:pPr>
-            <a:r>
-              <a:rPr lang="en-IN" dirty="0" smtClean="0"/>
-              <a:t>2. </a:t>
-            </a:r>
-            <a:r>
-              <a:rPr lang="en-IN" dirty="0" err="1"/>
-              <a:t>Greibach</a:t>
-            </a:r>
-            <a:r>
-              <a:rPr lang="en-IN" dirty="0"/>
-              <a:t> Normal Form (GNF) 	</a:t>
-            </a:r>
-          </a:p>
-          <a:p>
-            <a:pPr marL="0" indent="0">
-              <a:buNone/>
-            </a:pPr>
-            <a:r>
-              <a:rPr lang="en-IN" dirty="0"/>
-              <a:t>	</a:t>
-            </a:r>
-          </a:p>
-          <a:p>
-            <a:pPr marL="0" indent="0">
-              <a:buNone/>
-            </a:pPr>
-            <a:r>
-              <a:rPr lang="en-IN" dirty="0" smtClean="0"/>
-              <a:t> 3. </a:t>
-            </a:r>
-            <a:r>
-              <a:rPr lang="en-IN" dirty="0"/>
-              <a:t>Turing Machine 	</a:t>
-            </a:r>
-          </a:p>
-          <a:p>
-            <a:pPr marL="0" indent="0">
-              <a:buNone/>
-            </a:pPr>
-            <a:r>
-              <a:rPr lang="en-IN" dirty="0"/>
-              <a:t>	</a:t>
-            </a:r>
-          </a:p>
-          <a:p>
-            <a:pPr marL="0" indent="0">
-              <a:buNone/>
-            </a:pPr>
-            <a:r>
-              <a:rPr lang="en-US" dirty="0"/>
-              <a:t>	</a:t>
-            </a:r>
-            <a:br>
-              <a:rPr lang="en-US" dirty="0"/>
-            </a:br>
-            <a:endParaRPr lang="en-IN" dirty="0"/>
-          </a:p>
-        </p:txBody>
-      </p:sp>
-    </p:spTree>
-    <p:extLst>
-      <p:ext uri="{BB962C8B-B14F-4D97-AF65-F5344CB8AC3E}">
-        <p14:creationId xmlns:p14="http://schemas.microsoft.com/office/powerpoint/2010/main" val="1261037025"/>
-      </p:ext>
-    </p:extLst>
-  </p:cSld>
-  <p:clrMapOvr>
-    <a:masterClrMapping/>
-  </p:clrMapOvr>
-</p:sld>
-</file>
-
-<file path=ppt/slides/slide27.xml><?xml version="1.0" encoding="utf-8"?>
-<p:sld xmlns:a="http://schemas.openxmlformats.org/drawingml/2006/main" xmlns:r="http://schemas.openxmlformats.org/officeDocument/2006/relationships" xmlns:p="http://schemas.openxmlformats.org/presentationml/2006/main">
-  <p:cSld>
-    <p:spTree>
-      <p:nvGrpSpPr>
-        <p:cNvPr id="1" name=""/>
-        <p:cNvGrpSpPr/>
-        <p:nvPr/>
-      </p:nvGrpSpPr>
-      <p:grpSpPr>
-        <a:xfrm>
-          <a:off x="0" y="0"/>
-          <a:ext cx="0" cy="0"/>
-          <a:chOff x="0" y="0"/>
-          <a:chExt cx="0" cy="0"/>
-        </a:xfrm>
-      </p:grpSpPr>
-      <p:sp>
-        <p:nvSpPr>
-          <p:cNvPr id="2" name="Title 1"/>
-          <p:cNvSpPr>
-            <a:spLocks noGrp="1"/>
-          </p:cNvSpPr>
-          <p:nvPr>
-            <p:ph type="title"/>
-          </p:nvPr>
-        </p:nvSpPr>
-        <p:spPr/>
-        <p:txBody>
-          <a:bodyPr>
-            <a:normAutofit fontScale="90000"/>
-          </a:bodyPr>
-          <a:lstStyle/>
-          <a:p>
-            <a:r>
-              <a:rPr lang="en-IN" dirty="0"/>
-              <a:t/>
-            </a:r>
-            <a:br>
-              <a:rPr lang="en-IN" dirty="0"/>
-            </a:br>
-            <a:r>
-              <a:rPr lang="en-US" dirty="0"/>
-              <a:t> </a:t>
-            </a:r>
-            <a:r>
-              <a:rPr lang="en-US" dirty="0" smtClean="0"/>
-              <a:t/>
-            </a:r>
-            <a:br>
-              <a:rPr lang="en-US" dirty="0" smtClean="0"/>
-            </a:br>
-            <a:r>
-              <a:rPr lang="en-US" dirty="0"/>
-              <a:t/>
-            </a:r>
-            <a:br>
-              <a:rPr lang="en-US" dirty="0"/>
-            </a:br>
-            <a:r>
-              <a:rPr lang="en-US" dirty="0" smtClean="0"/>
-              <a:t/>
-            </a:r>
-            <a:br>
-              <a:rPr lang="en-US" dirty="0" smtClean="0"/>
-            </a:br>
-            <a:r>
-              <a:rPr lang="en-IN" b="1" dirty="0"/>
-              <a:t>UNIT V - UNDECIDABILITY </a:t>
-            </a:r>
-            <a:r>
-              <a:rPr lang="en-IN" dirty="0"/>
-              <a:t>	</a:t>
-            </a:r>
-            <a:br>
-              <a:rPr lang="en-IN" dirty="0"/>
-            </a:br>
-            <a:r>
-              <a:rPr lang="en-US" dirty="0"/>
-              <a:t>	</a:t>
-            </a:r>
-            <a:br>
-              <a:rPr lang="en-US" dirty="0"/>
-            </a:br>
-            <a:r>
-              <a:rPr lang="en-US" dirty="0"/>
-              <a:t>	</a:t>
-            </a:r>
-            <a:br>
-              <a:rPr lang="en-US" dirty="0"/>
-            </a:br>
-            <a:r>
-              <a:rPr lang="en-US" dirty="0"/>
-              <a:t>	</a:t>
-            </a:r>
-            <a:br>
-              <a:rPr lang="en-US" dirty="0"/>
-            </a:br>
-            <a:r>
-              <a:rPr lang="en-IN" dirty="0"/>
-              <a:t/>
-            </a:r>
-            <a:br>
-              <a:rPr lang="en-IN" dirty="0"/>
-            </a:br>
-            <a:r>
-              <a:rPr lang="en-IN" dirty="0"/>
-              <a:t> </a:t>
-            </a:r>
-            <a:endParaRPr lang="en-IN" dirty="0"/>
-          </a:p>
-        </p:txBody>
-      </p:sp>
-      <p:sp>
-        <p:nvSpPr>
-          <p:cNvPr id="3" name="Content Placeholder 2"/>
-          <p:cNvSpPr>
-            <a:spLocks noGrp="1"/>
-          </p:cNvSpPr>
-          <p:nvPr>
-            <p:ph idx="1"/>
-          </p:nvPr>
-        </p:nvSpPr>
-        <p:spPr/>
-        <p:txBody>
-          <a:bodyPr>
-            <a:normAutofit fontScale="85000" lnSpcReduction="20000"/>
-          </a:bodyPr>
-          <a:lstStyle/>
-          <a:p>
-            <a:r>
-              <a:rPr lang="en-IN" dirty="0" smtClean="0"/>
-              <a:t>1. </a:t>
-            </a:r>
-            <a:r>
-              <a:rPr lang="en-US" dirty="0"/>
-              <a:t>A Language that is Not Recursively Enumerable 	</a:t>
-            </a:r>
-          </a:p>
-          <a:p>
-            <a:pPr marL="0" indent="0">
-              <a:buNone/>
-            </a:pPr>
-            <a:r>
-              <a:rPr lang="en-IN" dirty="0"/>
-              <a:t>	</a:t>
-            </a:r>
-          </a:p>
-          <a:p>
-            <a:pPr marL="0" indent="0">
-              <a:buNone/>
-            </a:pPr>
-            <a:r>
-              <a:rPr lang="en-IN" dirty="0" smtClean="0"/>
-              <a:t>2. </a:t>
-            </a:r>
-            <a:r>
-              <a:rPr lang="en-IN" dirty="0"/>
-              <a:t>Post's Correspondence Problem (PCP) 	</a:t>
-            </a:r>
-          </a:p>
-          <a:p>
-            <a:pPr marL="0" indent="0">
-              <a:buNone/>
-            </a:pPr>
-            <a:r>
-              <a:rPr lang="en-IN" dirty="0"/>
-              <a:t>	</a:t>
-            </a:r>
-          </a:p>
-          <a:p>
-            <a:pPr marL="0" indent="0">
-              <a:buNone/>
-            </a:pPr>
-            <a:r>
-              <a:rPr lang="en-IN" dirty="0"/>
-              <a:t>	</a:t>
-            </a:r>
-          </a:p>
-          <a:p>
-            <a:pPr marL="0" indent="0">
-              <a:buNone/>
-            </a:pPr>
-            <a:r>
-              <a:rPr lang="en-IN" dirty="0" smtClean="0"/>
-              <a:t> 3. </a:t>
-            </a:r>
-            <a:r>
-              <a:rPr lang="en-US" dirty="0"/>
-              <a:t>Recursive and recursively enumerable languages 	</a:t>
-            </a:r>
-          </a:p>
-          <a:p>
-            <a:pPr marL="0" indent="0">
-              <a:buNone/>
-            </a:pPr>
-            <a:r>
-              <a:rPr lang="en-IN" smtClean="0"/>
-              <a:t>4. NP </a:t>
-            </a:r>
-            <a:r>
-              <a:rPr lang="en-IN"/>
-              <a:t>completeness Problem 	</a:t>
-            </a:r>
-          </a:p>
-          <a:p>
-            <a:pPr marL="0" indent="0">
-              <a:buNone/>
-            </a:pPr>
-            <a:r>
-              <a:rPr lang="en-IN" dirty="0"/>
-              <a:t>	</a:t>
-            </a:r>
-          </a:p>
-          <a:p>
-            <a:pPr marL="0" indent="0">
-              <a:buNone/>
-            </a:pPr>
-            <a:r>
-              <a:rPr lang="en-IN" dirty="0"/>
-              <a:t>	</a:t>
-            </a:r>
-          </a:p>
-          <a:p>
-            <a:pPr marL="0" indent="0">
-              <a:buNone/>
-            </a:pPr>
-            <a:r>
-              <a:rPr lang="en-US" dirty="0"/>
-              <a:t>	</a:t>
-            </a:r>
-            <a:br>
-              <a:rPr lang="en-US" dirty="0"/>
-            </a:br>
-            <a:endParaRPr lang="en-IN" dirty="0"/>
-          </a:p>
-        </p:txBody>
-      </p:sp>
-    </p:spTree>
-    <p:extLst>
-      <p:ext uri="{BB962C8B-B14F-4D97-AF65-F5344CB8AC3E}">
-        <p14:creationId xmlns:p14="http://schemas.microsoft.com/office/powerpoint/2010/main" val="2193535811"/>
-      </p:ext>
-    </p:extLst>
-  </p:cSld>
-  <p:clrMapOvr>
-    <a:masterClrMapping/>
-  </p:clrMapOvr>
-</p:sld>
-</file>
-
-<file path=ppt/slides/slide28.xml><?xml version="1.0" encoding="utf-8"?>
-<p:sld xmlns:a="http://schemas.openxmlformats.org/drawingml/2006/main" xmlns:r="http://schemas.openxmlformats.org/officeDocument/2006/relationships" xmlns:p="http://schemas.openxmlformats.org/presentationml/2006/main">
-  <p:cSld>
-    <p:spTree>
-      <p:nvGrpSpPr>
-        <p:cNvPr id="1" name=""/>
-        <p:cNvGrpSpPr/>
-        <p:nvPr/>
-      </p:nvGrpSpPr>
-      <p:grpSpPr>
-        <a:xfrm>
-          <a:off x="0" y="0"/>
-          <a:ext cx="0" cy="0"/>
-          <a:chOff x="0" y="0"/>
-          <a:chExt cx="0" cy="0"/>
-        </a:xfrm>
-      </p:grpSpPr>
-    </p:spTree>
-    <p:extLst>
-      <p:ext uri="{BB962C8B-B14F-4D97-AF65-F5344CB8AC3E}">
-        <p14:creationId xmlns:p14="http://schemas.microsoft.com/office/powerpoint/2010/main" val="3487655087"/>
-      </p:ext>
-    </p:extLst>
-  </p:cSld>
-  <p:clrMapOvr>
-    <a:masterClrMapping/>
-  </p:clrMapOvr>
-</p:sld>
-</file>
-
-<file path=ppt/slides/slide29.xml><?xml version="1.0" encoding="utf-8"?>
-<p:sld xmlns:a="http://schemas.openxmlformats.org/drawingml/2006/main" xmlns:r="http://schemas.openxmlformats.org/officeDocument/2006/relationships" xmlns:p="http://schemas.openxmlformats.org/presentationml/2006/main">
-  <p:cSld>
-    <p:spTree>
-      <p:nvGrpSpPr>
-        <p:cNvPr id="1" name=""/>
-        <p:cNvGrpSpPr/>
-        <p:nvPr/>
-      </p:nvGrpSpPr>
-      <p:grpSpPr>
-        <a:xfrm>
-          <a:off x="0" y="0"/>
-          <a:ext cx="0" cy="0"/>
-          <a:chOff x="0" y="0"/>
-          <a:chExt cx="0" cy="0"/>
-        </a:xfrm>
-      </p:grpSpPr>
-      <p:sp>
-        <p:nvSpPr>
-          <p:cNvPr id="2" name="Title 1"/>
-          <p:cNvSpPr>
-            <a:spLocks noGrp="1"/>
-          </p:cNvSpPr>
-          <p:nvPr>
-            <p:ph type="ctrTitle"/>
-          </p:nvPr>
-        </p:nvSpPr>
-        <p:spPr/>
-        <p:txBody>
-          <a:bodyPr/>
-          <a:lstStyle/>
-          <a:p>
-            <a:endParaRPr lang="en-IN"/>
-          </a:p>
-        </p:txBody>
-      </p:sp>
-      <p:sp>
-        <p:nvSpPr>
-          <p:cNvPr id="3" name="Subtitle 2"/>
-          <p:cNvSpPr>
-            <a:spLocks noGrp="1"/>
-          </p:cNvSpPr>
-          <p:nvPr>
-            <p:ph type="subTitle" idx="1"/>
-          </p:nvPr>
-        </p:nvSpPr>
-        <p:spPr/>
-        <p:txBody>
-          <a:bodyPr/>
-          <a:lstStyle/>
-          <a:p>
-            <a:endParaRPr lang="en-IN"/>
-          </a:p>
-        </p:txBody>
-      </p:sp>
-    </p:spTree>
-    <p:extLst>
-      <p:ext uri="{BB962C8B-B14F-4D97-AF65-F5344CB8AC3E}">
-        <p14:creationId xmlns:p14="http://schemas.microsoft.com/office/powerpoint/2010/main" val="2406563609"/>
-      </p:ext>
-    </p:extLst>
-  </p:cSld>
-  <p:clrMapOvr>
-    <a:masterClrMapping/>
-  </p:clrMapOvr>
-</p:sld>
-</file>
-
-<file path=ppt/slides/slide3.xml><?xml version="1.0" encoding="utf-8"?>
+<file path=ppt/slides/slide6.xml><?xml version="1.0" encoding="utf-8"?>
 <p:sld xmlns:a="http://schemas.openxmlformats.org/drawingml/2006/main" xmlns:r="http://schemas.openxmlformats.org/officeDocument/2006/relationships" xmlns:p="http://schemas.openxmlformats.org/presentationml/2006/main">
   <p:cSld>
     <p:spTree>
@@ -5803,77 +6101,10 @@
   <p:clrMapOvr>
     <a:masterClrMapping/>
   </p:clrMapOvr>
-  <p:timing>
-    <p:tnLst>
-      <p:par>
-        <p:cTn id="1" dur="indefinite" restart="never" nodeType="tmRoot"/>
-      </p:par>
-    </p:tnLst>
-  </p:timing>
 </p:sld>
 </file>
 
-<file path=ppt/slides/slide30.xml><?xml version="1.0" encoding="utf-8"?>
-<p:sld xmlns:a="http://schemas.openxmlformats.org/drawingml/2006/main" xmlns:r="http://schemas.openxmlformats.org/officeDocument/2006/relationships" xmlns:p="http://schemas.openxmlformats.org/presentationml/2006/main">
-  <p:cSld>
-    <p:spTree>
-      <p:nvGrpSpPr>
-        <p:cNvPr id="1" name=""/>
-        <p:cNvGrpSpPr/>
-        <p:nvPr/>
-      </p:nvGrpSpPr>
-      <p:grpSpPr>
-        <a:xfrm>
-          <a:off x="0" y="0"/>
-          <a:ext cx="0" cy="0"/>
-          <a:chOff x="0" y="0"/>
-          <a:chExt cx="0" cy="0"/>
-        </a:xfrm>
-      </p:grpSpPr>
-    </p:spTree>
-    <p:extLst>
-      <p:ext uri="{BB962C8B-B14F-4D97-AF65-F5344CB8AC3E}">
-        <p14:creationId xmlns:p14="http://schemas.microsoft.com/office/powerpoint/2010/main" val="2489812076"/>
-      </p:ext>
-    </p:extLst>
-  </p:cSld>
-  <p:clrMapOvr>
-    <a:masterClrMapping/>
-  </p:clrMapOvr>
-</p:sld>
-</file>
-
-<file path=ppt/slides/slide31.xml><?xml version="1.0" encoding="utf-8"?>
-<p:sld xmlns:a="http://schemas.openxmlformats.org/drawingml/2006/main" xmlns:r="http://schemas.openxmlformats.org/officeDocument/2006/relationships" xmlns:p="http://schemas.openxmlformats.org/presentationml/2006/main">
-  <p:cSld>
-    <p:spTree>
-      <p:nvGrpSpPr>
-        <p:cNvPr id="1" name=""/>
-        <p:cNvGrpSpPr/>
-        <p:nvPr/>
-      </p:nvGrpSpPr>
-      <p:grpSpPr>
-        <a:xfrm>
-          <a:off x="0" y="0"/>
-          <a:ext cx="0" cy="0"/>
-          <a:chOff x="0" y="0"/>
-          <a:chExt cx="0" cy="0"/>
-        </a:xfrm>
-      </p:grpSpPr>
-    </p:spTree>
-    <p:extLst>
-      <p:ext uri="{BB962C8B-B14F-4D97-AF65-F5344CB8AC3E}">
-        <p14:creationId xmlns:p14="http://schemas.microsoft.com/office/powerpoint/2010/main" val="704261178"/>
-      </p:ext>
-    </p:extLst>
-  </p:cSld>
-  <p:clrMapOvr>
-    <a:masterClrMapping/>
-  </p:clrMapOvr>
-</p:sld>
-</file>
-
-<file path=ppt/slides/slide4.xml><?xml version="1.0" encoding="utf-8"?>
+<file path=ppt/slides/slide7.xml><?xml version="1.0" encoding="utf-8"?>
 <p:sld xmlns:a="http://schemas.openxmlformats.org/drawingml/2006/main" xmlns:r="http://schemas.openxmlformats.org/officeDocument/2006/relationships" xmlns:p="http://schemas.openxmlformats.org/presentationml/2006/main">
   <p:cSld>
     <p:spTree>
@@ -5964,17 +6195,10 @@
   <p:clrMapOvr>
     <a:masterClrMapping/>
   </p:clrMapOvr>
-  <p:timing>
-    <p:tnLst>
-      <p:par>
-        <p:cTn id="1" dur="indefinite" restart="never" nodeType="tmRoot"/>
-      </p:par>
-    </p:tnLst>
-  </p:timing>
 </p:sld>
 </file>
 
-<file path=ppt/slides/slide5.xml><?xml version="1.0" encoding="utf-8"?>
+<file path=ppt/slides/slide8.xml><?xml version="1.0" encoding="utf-8"?>
 <p:sld xmlns:a="http://schemas.openxmlformats.org/drawingml/2006/main" xmlns:r="http://schemas.openxmlformats.org/officeDocument/2006/relationships" xmlns:p="http://schemas.openxmlformats.org/presentationml/2006/main">
   <p:cSld>
     <p:spTree>
@@ -6065,17 +6289,10 @@
   <p:clrMapOvr>
     <a:masterClrMapping/>
   </p:clrMapOvr>
-  <p:timing>
-    <p:tnLst>
-      <p:par>
-        <p:cTn id="1" dur="indefinite" restart="never" nodeType="tmRoot"/>
-      </p:par>
-    </p:tnLst>
-  </p:timing>
 </p:sld>
 </file>
 
-<file path=ppt/slides/slide6.xml><?xml version="1.0" encoding="utf-8"?>
+<file path=ppt/slides/slide9.xml><?xml version="1.0" encoding="utf-8"?>
 <p:sld xmlns:a="http://schemas.openxmlformats.org/drawingml/2006/main" xmlns:r="http://schemas.openxmlformats.org/officeDocument/2006/relationships" xmlns:p="http://schemas.openxmlformats.org/presentationml/2006/main">
   <p:cSld>
     <p:spTree>
@@ -6166,316 +6383,6 @@
   <p:clrMapOvr>
     <a:masterClrMapping/>
   </p:clrMapOvr>
-  <p:timing>
-    <p:tnLst>
-      <p:par>
-        <p:cTn id="1" dur="indefinite" restart="never" nodeType="tmRoot"/>
-      </p:par>
-    </p:tnLst>
-  </p:timing>
-</p:sld>
-</file>
-
-<file path=ppt/slides/slide7.xml><?xml version="1.0" encoding="utf-8"?>
-<p:sld xmlns:a="http://schemas.openxmlformats.org/drawingml/2006/main" xmlns:r="http://schemas.openxmlformats.org/officeDocument/2006/relationships" xmlns:p="http://schemas.openxmlformats.org/presentationml/2006/main">
-  <p:cSld>
-    <p:spTree>
-      <p:nvGrpSpPr>
-        <p:cNvPr id="1" name=""/>
-        <p:cNvGrpSpPr/>
-        <p:nvPr/>
-      </p:nvGrpSpPr>
-      <p:grpSpPr>
-        <a:xfrm>
-          <a:off x="0" y="0"/>
-          <a:ext cx="0" cy="0"/>
-          <a:chOff x="0" y="0"/>
-          <a:chExt cx="0" cy="0"/>
-        </a:xfrm>
-      </p:grpSpPr>
-      <p:pic>
-        <p:nvPicPr>
-          <p:cNvPr id="6146" name="Picture 2"/>
-          <p:cNvPicPr>
-            <a:picLocks noChangeAspect="1" noChangeArrowheads="1"/>
-          </p:cNvPicPr>
-          <p:nvPr/>
-        </p:nvPicPr>
-        <p:blipFill>
-          <a:blip r:embed="rId2">
-            <a:extLst>
-              <a:ext uri="{28A0092B-C50C-407E-A947-70E740481C1C}">
-                <a14:useLocalDpi xmlns:a14="http://schemas.microsoft.com/office/drawing/2010/main" val="0"/>
-              </a:ext>
-            </a:extLst>
-          </a:blip>
-          <a:srcRect/>
-          <a:stretch>
-            <a:fillRect/>
-          </a:stretch>
-        </p:blipFill>
-        <p:spPr bwMode="auto">
-          <a:xfrm>
-            <a:off x="581025" y="1395413"/>
-            <a:ext cx="7981950" cy="4067175"/>
-          </a:xfrm>
-          <a:prstGeom prst="rect">
-            <a:avLst/>
-          </a:prstGeom>
-          <a:noFill/>
-          <a:ln>
-            <a:noFill/>
-          </a:ln>
-          <a:effectLst/>
-          <a:extLst>
-            <a:ext uri="{909E8E84-426E-40DD-AFC4-6F175D3DCCD1}">
-              <a14:hiddenFill xmlns:a14="http://schemas.microsoft.com/office/drawing/2010/main">
-                <a:solidFill>
-                  <a:schemeClr val="accent1"/>
-                </a:solidFill>
-              </a14:hiddenFill>
-            </a:ext>
-            <a:ext uri="{91240B29-F687-4F45-9708-019B960494DF}">
-              <a14:hiddenLine xmlns:a14="http://schemas.microsoft.com/office/drawing/2010/main" w="9525">
-                <a:solidFill>
-                  <a:schemeClr val="tx1"/>
-                </a:solidFill>
-                <a:miter lim="800000"/>
-                <a:headEnd/>
-                <a:tailEnd/>
-              </a14:hiddenLine>
-            </a:ext>
-            <a:ext uri="{AF507438-7753-43E0-B8FC-AC1667EBCBE1}">
-              <a14:hiddenEffects xmlns:a14="http://schemas.microsoft.com/office/drawing/2010/main">
-                <a:effectLst>
-                  <a:outerShdw dist="35921" dir="2700000" algn="ctr" rotWithShape="0">
-                    <a:schemeClr val="bg2"/>
-                  </a:outerShdw>
-                </a:effectLst>
-              </a14:hiddenEffects>
-            </a:ext>
-          </a:extLst>
-        </p:spPr>
-      </p:pic>
-    </p:spTree>
-    <p:extLst>
-      <p:ext uri="{BB962C8B-B14F-4D97-AF65-F5344CB8AC3E}">
-        <p14:creationId xmlns:p14="http://schemas.microsoft.com/office/powerpoint/2010/main" val="150092117"/>
-      </p:ext>
-    </p:extLst>
-  </p:cSld>
-  <p:clrMapOvr>
-    <a:masterClrMapping/>
-  </p:clrMapOvr>
-  <p:timing>
-    <p:tnLst>
-      <p:par>
-        <p:cTn id="1" dur="indefinite" restart="never" nodeType="tmRoot"/>
-      </p:par>
-    </p:tnLst>
-  </p:timing>
-</p:sld>
-</file>
-
-<file path=ppt/slides/slide8.xml><?xml version="1.0" encoding="utf-8"?>
-<p:sld xmlns:a="http://schemas.openxmlformats.org/drawingml/2006/main" xmlns:r="http://schemas.openxmlformats.org/officeDocument/2006/relationships" xmlns:p="http://schemas.openxmlformats.org/presentationml/2006/main">
-  <p:cSld>
-    <p:spTree>
-      <p:nvGrpSpPr>
-        <p:cNvPr id="1" name=""/>
-        <p:cNvGrpSpPr/>
-        <p:nvPr/>
-      </p:nvGrpSpPr>
-      <p:grpSpPr>
-        <a:xfrm>
-          <a:off x="0" y="0"/>
-          <a:ext cx="0" cy="0"/>
-          <a:chOff x="0" y="0"/>
-          <a:chExt cx="0" cy="0"/>
-        </a:xfrm>
-      </p:grpSpPr>
-      <p:pic>
-        <p:nvPicPr>
-          <p:cNvPr id="7170" name="Picture 2"/>
-          <p:cNvPicPr>
-            <a:picLocks noChangeAspect="1" noChangeArrowheads="1"/>
-          </p:cNvPicPr>
-          <p:nvPr/>
-        </p:nvPicPr>
-        <p:blipFill>
-          <a:blip r:embed="rId2">
-            <a:extLst>
-              <a:ext uri="{28A0092B-C50C-407E-A947-70E740481C1C}">
-                <a14:useLocalDpi xmlns:a14="http://schemas.microsoft.com/office/drawing/2010/main" val="0"/>
-              </a:ext>
-            </a:extLst>
-          </a:blip>
-          <a:srcRect/>
-          <a:stretch>
-            <a:fillRect/>
-          </a:stretch>
-        </p:blipFill>
-        <p:spPr bwMode="auto">
-          <a:xfrm>
-            <a:off x="604838" y="685800"/>
-            <a:ext cx="7934325" cy="5486400"/>
-          </a:xfrm>
-          <a:prstGeom prst="rect">
-            <a:avLst/>
-          </a:prstGeom>
-          <a:noFill/>
-          <a:ln>
-            <a:noFill/>
-          </a:ln>
-          <a:effectLst/>
-          <a:extLst>
-            <a:ext uri="{909E8E84-426E-40DD-AFC4-6F175D3DCCD1}">
-              <a14:hiddenFill xmlns:a14="http://schemas.microsoft.com/office/drawing/2010/main">
-                <a:solidFill>
-                  <a:schemeClr val="accent1"/>
-                </a:solidFill>
-              </a14:hiddenFill>
-            </a:ext>
-            <a:ext uri="{91240B29-F687-4F45-9708-019B960494DF}">
-              <a14:hiddenLine xmlns:a14="http://schemas.microsoft.com/office/drawing/2010/main" w="9525">
-                <a:solidFill>
-                  <a:schemeClr val="tx1"/>
-                </a:solidFill>
-                <a:miter lim="800000"/>
-                <a:headEnd/>
-                <a:tailEnd/>
-              </a14:hiddenLine>
-            </a:ext>
-            <a:ext uri="{AF507438-7753-43E0-B8FC-AC1667EBCBE1}">
-              <a14:hiddenEffects xmlns:a14="http://schemas.microsoft.com/office/drawing/2010/main">
-                <a:effectLst>
-                  <a:outerShdw dist="35921" dir="2700000" algn="ctr" rotWithShape="0">
-                    <a:schemeClr val="bg2"/>
-                  </a:outerShdw>
-                </a:effectLst>
-              </a14:hiddenEffects>
-            </a:ext>
-          </a:extLst>
-        </p:spPr>
-      </p:pic>
-    </p:spTree>
-    <p:extLst>
-      <p:ext uri="{BB962C8B-B14F-4D97-AF65-F5344CB8AC3E}">
-        <p14:creationId xmlns:p14="http://schemas.microsoft.com/office/powerpoint/2010/main" val="1448788369"/>
-      </p:ext>
-    </p:extLst>
-  </p:cSld>
-  <p:clrMapOvr>
-    <a:masterClrMapping/>
-  </p:clrMapOvr>
-  <p:timing>
-    <p:tnLst>
-      <p:par>
-        <p:cTn id="1" dur="indefinite" restart="never" nodeType="tmRoot"/>
-      </p:par>
-    </p:tnLst>
-  </p:timing>
-</p:sld>
-</file>
-
-<file path=ppt/slides/slide9.xml><?xml version="1.0" encoding="utf-8"?>
-<p:sld xmlns:a="http://schemas.openxmlformats.org/drawingml/2006/main" xmlns:r="http://schemas.openxmlformats.org/officeDocument/2006/relationships" xmlns:p="http://schemas.openxmlformats.org/presentationml/2006/main">
-  <p:cSld>
-    <p:spTree>
-      <p:nvGrpSpPr>
-        <p:cNvPr id="1" name=""/>
-        <p:cNvGrpSpPr/>
-        <p:nvPr/>
-      </p:nvGrpSpPr>
-      <p:grpSpPr>
-        <a:xfrm>
-          <a:off x="0" y="0"/>
-          <a:ext cx="0" cy="0"/>
-          <a:chOff x="0" y="0"/>
-          <a:chExt cx="0" cy="0"/>
-        </a:xfrm>
-      </p:grpSpPr>
-      <p:pic>
-        <p:nvPicPr>
-          <p:cNvPr id="8194" name="Picture 2"/>
-          <p:cNvPicPr>
-            <a:picLocks noChangeAspect="1" noChangeArrowheads="1"/>
-          </p:cNvPicPr>
-          <p:nvPr/>
-        </p:nvPicPr>
-        <p:blipFill>
-          <a:blip r:embed="rId2">
-            <a:extLst>
-              <a:ext uri="{28A0092B-C50C-407E-A947-70E740481C1C}">
-                <a14:useLocalDpi xmlns:a14="http://schemas.microsoft.com/office/drawing/2010/main" val="0"/>
-              </a:ext>
-            </a:extLst>
-          </a:blip>
-          <a:srcRect/>
-          <a:stretch>
-            <a:fillRect/>
-          </a:stretch>
-        </p:blipFill>
-        <p:spPr bwMode="auto">
-          <a:xfrm>
-            <a:off x="490538" y="285750"/>
-            <a:ext cx="8162925" cy="6286500"/>
-          </a:xfrm>
-          <a:prstGeom prst="rect">
-            <a:avLst/>
-          </a:prstGeom>
-          <a:noFill/>
-          <a:ln>
-            <a:noFill/>
-          </a:ln>
-          <a:effectLst/>
-          <a:extLst>
-            <a:ext uri="{909E8E84-426E-40DD-AFC4-6F175D3DCCD1}">
-              <a14:hiddenFill xmlns:a14="http://schemas.microsoft.com/office/drawing/2010/main">
-                <a:solidFill>
-                  <a:schemeClr val="accent1"/>
-                </a:solidFill>
-              </a14:hiddenFill>
-            </a:ext>
-            <a:ext uri="{91240B29-F687-4F45-9708-019B960494DF}">
-              <a14:hiddenLine xmlns:a14="http://schemas.microsoft.com/office/drawing/2010/main" w="9525">
-                <a:solidFill>
-                  <a:schemeClr val="tx1"/>
-                </a:solidFill>
-                <a:miter lim="800000"/>
-                <a:headEnd/>
-                <a:tailEnd/>
-              </a14:hiddenLine>
-            </a:ext>
-            <a:ext uri="{AF507438-7753-43E0-B8FC-AC1667EBCBE1}">
-              <a14:hiddenEffects xmlns:a14="http://schemas.microsoft.com/office/drawing/2010/main">
-                <a:effectLst>
-                  <a:outerShdw dist="35921" dir="2700000" algn="ctr" rotWithShape="0">
-                    <a:schemeClr val="bg2"/>
-                  </a:outerShdw>
-                </a:effectLst>
-              </a14:hiddenEffects>
-            </a:ext>
-          </a:extLst>
-        </p:spPr>
-      </p:pic>
-    </p:spTree>
-    <p:extLst>
-      <p:ext uri="{BB962C8B-B14F-4D97-AF65-F5344CB8AC3E}">
-        <p14:creationId xmlns:p14="http://schemas.microsoft.com/office/powerpoint/2010/main" val="629591665"/>
-      </p:ext>
-    </p:extLst>
-  </p:cSld>
-  <p:clrMapOvr>
-    <a:masterClrMapping/>
-  </p:clrMapOvr>
-  <p:timing>
-    <p:tnLst>
-      <p:par>
-        <p:cTn id="1" dur="indefinite" restart="never" nodeType="tmRoot"/>
-      </p:par>
-    </p:tnLst>
-  </p:timing>
 </p:sld>
 </file>
 
